--- a/Zoomba.pptx
+++ b/Zoomba.pptx
@@ -5,16 +5,24 @@
     <p:sldMasterId id="2147483648" r:id="rId1"/>
   </p:sldMasterIdLst>
   <p:notesMasterIdLst>
-    <p:notesMasterId r:id="rId9"/>
+    <p:notesMasterId r:id="rId17"/>
   </p:notesMasterIdLst>
   <p:sldIdLst>
     <p:sldId id="256" r:id="rId2"/>
     <p:sldId id="259" r:id="rId3"/>
-    <p:sldId id="258" r:id="rId4"/>
-    <p:sldId id="257" r:id="rId5"/>
-    <p:sldId id="262" r:id="rId6"/>
-    <p:sldId id="261" r:id="rId7"/>
-    <p:sldId id="260" r:id="rId8"/>
+    <p:sldId id="265" r:id="rId4"/>
+    <p:sldId id="264" r:id="rId5"/>
+    <p:sldId id="258" r:id="rId6"/>
+    <p:sldId id="257" r:id="rId7"/>
+    <p:sldId id="262" r:id="rId8"/>
+    <p:sldId id="261" r:id="rId9"/>
+    <p:sldId id="260" r:id="rId10"/>
+    <p:sldId id="263" r:id="rId11"/>
+    <p:sldId id="266" r:id="rId12"/>
+    <p:sldId id="267" r:id="rId13"/>
+    <p:sldId id="268" r:id="rId14"/>
+    <p:sldId id="269" r:id="rId15"/>
+    <p:sldId id="270" r:id="rId16"/>
   </p:sldIdLst>
   <p:sldSz cx="9144000" cy="6858000" type="screen4x3"/>
   <p:notesSz cx="6858000" cy="9144000"/>
@@ -198,7 +206,7 @@
           <a:p>
             <a:fld id="{853791D8-136D-4068-B4FC-5E2D8AD64376}" type="datetimeFigureOut">
               <a:rPr lang="en-US" smtClean="0"/>
-              <a:t>3/18/2012</a:t>
+              <a:t>3/22/2012</a:t>
             </a:fld>
             <a:endParaRPr lang="en-US"/>
           </a:p>
@@ -638,32 +646,6 @@
             </a:r>
           </a:p>
           <a:p>
-            <a:r>
-              <a:rPr lang="en-US" baseline="0" dirty="0" smtClean="0"/>
-              <a:t>This is the lowest cost </a:t>
-            </a:r>
-            <a:r>
-              <a:rPr lang="en-US" baseline="0" dirty="0" err="1" smtClean="0"/>
-              <a:t>telepresence</a:t>
-            </a:r>
-            <a:r>
-              <a:rPr lang="en-US" baseline="0" dirty="0" smtClean="0"/>
-              <a:t> and computer vision </a:t>
-            </a:r>
-            <a:r>
-              <a:rPr lang="en-US" baseline="0" smtClean="0"/>
-              <a:t>platform anywhere.</a:t>
-            </a:r>
-            <a:endParaRPr lang="en-US" baseline="0" dirty="0" smtClean="0"/>
-          </a:p>
-          <a:p>
-            <a:r>
-              <a:rPr lang="en-US" baseline="0" dirty="0" smtClean="0"/>
-              <a:t>Your living room will never be the same again</a:t>
-            </a:r>
-            <a:endParaRPr lang="en-US" dirty="0" smtClean="0"/>
-          </a:p>
-          <a:p>
             <a:endParaRPr lang="en-US" dirty="0"/>
           </a:p>
         </p:txBody>
@@ -685,7 +667,7 @@
           <a:p>
             <a:fld id="{E8E81CFD-8A74-4DE4-9EBA-8EB9145D0630}" type="slidenum">
               <a:rPr lang="en-US" smtClean="0"/>
-              <a:t>5</a:t>
+              <a:t>7</a:t>
             </a:fld>
             <a:endParaRPr lang="en-US"/>
           </a:p>
@@ -885,7 +867,7 @@
           <a:p>
             <a:fld id="{E3EA277C-1A56-4E00-961C-911F169A230D}" type="datetimeFigureOut">
               <a:rPr lang="en-US" smtClean="0"/>
-              <a:t>3/17/2012</a:t>
+              <a:t>3/22/2012</a:t>
             </a:fld>
             <a:endParaRPr lang="en-US"/>
           </a:p>
@@ -1055,7 +1037,7 @@
           <a:p>
             <a:fld id="{E3EA277C-1A56-4E00-961C-911F169A230D}" type="datetimeFigureOut">
               <a:rPr lang="en-US" smtClean="0"/>
-              <a:t>3/17/2012</a:t>
+              <a:t>3/22/2012</a:t>
             </a:fld>
             <a:endParaRPr lang="en-US"/>
           </a:p>
@@ -1235,7 +1217,7 @@
           <a:p>
             <a:fld id="{E3EA277C-1A56-4E00-961C-911F169A230D}" type="datetimeFigureOut">
               <a:rPr lang="en-US" smtClean="0"/>
-              <a:t>3/17/2012</a:t>
+              <a:t>3/22/2012</a:t>
             </a:fld>
             <a:endParaRPr lang="en-US"/>
           </a:p>
@@ -1405,7 +1387,7 @@
           <a:p>
             <a:fld id="{E3EA277C-1A56-4E00-961C-911F169A230D}" type="datetimeFigureOut">
               <a:rPr lang="en-US" smtClean="0"/>
-              <a:t>3/17/2012</a:t>
+              <a:t>3/22/2012</a:t>
             </a:fld>
             <a:endParaRPr lang="en-US"/>
           </a:p>
@@ -1651,7 +1633,7 @@
           <a:p>
             <a:fld id="{E3EA277C-1A56-4E00-961C-911F169A230D}" type="datetimeFigureOut">
               <a:rPr lang="en-US" smtClean="0"/>
-              <a:t>3/17/2012</a:t>
+              <a:t>3/22/2012</a:t>
             </a:fld>
             <a:endParaRPr lang="en-US"/>
           </a:p>
@@ -1939,7 +1921,7 @@
           <a:p>
             <a:fld id="{E3EA277C-1A56-4E00-961C-911F169A230D}" type="datetimeFigureOut">
               <a:rPr lang="en-US" smtClean="0"/>
-              <a:t>3/17/2012</a:t>
+              <a:t>3/22/2012</a:t>
             </a:fld>
             <a:endParaRPr lang="en-US"/>
           </a:p>
@@ -2361,7 +2343,7 @@
           <a:p>
             <a:fld id="{E3EA277C-1A56-4E00-961C-911F169A230D}" type="datetimeFigureOut">
               <a:rPr lang="en-US" smtClean="0"/>
-              <a:t>3/17/2012</a:t>
+              <a:t>3/22/2012</a:t>
             </a:fld>
             <a:endParaRPr lang="en-US"/>
           </a:p>
@@ -2479,7 +2461,7 @@
           <a:p>
             <a:fld id="{E3EA277C-1A56-4E00-961C-911F169A230D}" type="datetimeFigureOut">
               <a:rPr lang="en-US" smtClean="0"/>
-              <a:t>3/17/2012</a:t>
+              <a:t>3/22/2012</a:t>
             </a:fld>
             <a:endParaRPr lang="en-US"/>
           </a:p>
@@ -2574,7 +2556,7 @@
           <a:p>
             <a:fld id="{E3EA277C-1A56-4E00-961C-911F169A230D}" type="datetimeFigureOut">
               <a:rPr lang="en-US" smtClean="0"/>
-              <a:t>3/17/2012</a:t>
+              <a:t>3/22/2012</a:t>
             </a:fld>
             <a:endParaRPr lang="en-US"/>
           </a:p>
@@ -2851,7 +2833,7 @@
           <a:p>
             <a:fld id="{E3EA277C-1A56-4E00-961C-911F169A230D}" type="datetimeFigureOut">
               <a:rPr lang="en-US" smtClean="0"/>
-              <a:t>3/17/2012</a:t>
+              <a:t>3/22/2012</a:t>
             </a:fld>
             <a:endParaRPr lang="en-US"/>
           </a:p>
@@ -3104,7 +3086,7 @@
           <a:p>
             <a:fld id="{E3EA277C-1A56-4E00-961C-911F169A230D}" type="datetimeFigureOut">
               <a:rPr lang="en-US" smtClean="0"/>
-              <a:t>3/17/2012</a:t>
+              <a:t>3/22/2012</a:t>
             </a:fld>
             <a:endParaRPr lang="en-US"/>
           </a:p>
@@ -3317,7 +3299,7 @@
           <a:p>
             <a:fld id="{E3EA277C-1A56-4E00-961C-911F169A230D}" type="datetimeFigureOut">
               <a:rPr lang="en-US" smtClean="0"/>
-              <a:t>3/17/2012</a:t>
+              <a:t>3/22/2012</a:t>
             </a:fld>
             <a:endParaRPr lang="en-US"/>
           </a:p>
@@ -3725,13 +3707,13 @@
   <p:clrMapOvr>
     <a:masterClrMapping/>
   </p:clrMapOvr>
-  <mc:AlternateContent xmlns:mc="http://schemas.openxmlformats.org/markup-compatibility/2006">
-    <mc:Choice xmlns:p14="http://schemas.microsoft.com/office/powerpoint/2010/main" Requires="p14">
+  <mc:AlternateContent xmlns:mc="http://schemas.openxmlformats.org/markup-compatibility/2006" xmlns:p14="http://schemas.microsoft.com/office/powerpoint/2010/main">
+    <mc:Choice Requires="p14">
       <p:transition spd="slow" p14:dur="4000" advClick="0" advTm="6000">
         <p14:vortex dir="r"/>
       </p:transition>
     </mc:Choice>
-    <mc:Fallback>
+    <mc:Fallback xmlns="">
       <p:transition spd="slow" advClick="0" advTm="6000">
         <p:fade/>
       </p:transition>
@@ -3812,6 +3794,550 @@
 </p:sld>
 </file>
 
+<file path=ppt/slides/slide10.xml><?xml version="1.0" encoding="utf-8"?>
+<p:sld xmlns:a="http://schemas.openxmlformats.org/drawingml/2006/main" xmlns:r="http://schemas.openxmlformats.org/officeDocument/2006/relationships" xmlns:p="http://schemas.openxmlformats.org/presentationml/2006/main">
+  <p:cSld>
+    <p:spTree>
+      <p:nvGrpSpPr>
+        <p:cNvPr id="1" name=""/>
+        <p:cNvGrpSpPr/>
+        <p:nvPr/>
+      </p:nvGrpSpPr>
+      <p:grpSpPr>
+        <a:xfrm>
+          <a:off x="0" y="0"/>
+          <a:ext cx="0" cy="0"/>
+          <a:chOff x="0" y="0"/>
+          <a:chExt cx="0" cy="0"/>
+        </a:xfrm>
+      </p:grpSpPr>
+      <p:sp>
+        <p:nvSpPr>
+          <p:cNvPr id="2" name="Title 1"/>
+          <p:cNvSpPr>
+            <a:spLocks noGrp="1"/>
+          </p:cNvSpPr>
+          <p:nvPr>
+            <p:ph type="title"/>
+          </p:nvPr>
+        </p:nvSpPr>
+        <p:spPr/>
+        <p:txBody>
+          <a:bodyPr/>
+          <a:lstStyle/>
+          <a:p>
+            <a:r>
+              <a:rPr lang="en-US" dirty="0" smtClean="0"/>
+              <a:t>Let’s Hack it</a:t>
+            </a:r>
+            <a:endParaRPr lang="en-US" dirty="0"/>
+          </a:p>
+        </p:txBody>
+      </p:sp>
+      <p:sp>
+        <p:nvSpPr>
+          <p:cNvPr id="3" name="Content Placeholder 2"/>
+          <p:cNvSpPr>
+            <a:spLocks noGrp="1"/>
+          </p:cNvSpPr>
+          <p:nvPr>
+            <p:ph idx="1"/>
+          </p:nvPr>
+        </p:nvSpPr>
+        <p:spPr/>
+        <p:txBody>
+          <a:bodyPr/>
+          <a:lstStyle/>
+          <a:p>
+            <a:r>
+              <a:rPr lang="en-US" dirty="0" smtClean="0"/>
+              <a:t>Tear out this that and the other thing to get to the motor leads</a:t>
+            </a:r>
+          </a:p>
+          <a:p>
+            <a:endParaRPr lang="en-US" dirty="0"/>
+          </a:p>
+        </p:txBody>
+      </p:sp>
+    </p:spTree>
+    <p:extLst>
+      <p:ext uri="{BB962C8B-B14F-4D97-AF65-F5344CB8AC3E}">
+        <p14:creationId xmlns:p14="http://schemas.microsoft.com/office/powerpoint/2010/main" val="1892778911"/>
+      </p:ext>
+    </p:extLst>
+  </p:cSld>
+  <p:clrMapOvr>
+    <a:masterClrMapping/>
+  </p:clrMapOvr>
+  <p:timing>
+    <p:tnLst>
+      <p:par>
+        <p:cTn id="1" dur="indefinite" restart="never" nodeType="tmRoot"/>
+      </p:par>
+    </p:tnLst>
+  </p:timing>
+</p:sld>
+</file>
+
+<file path=ppt/slides/slide11.xml><?xml version="1.0" encoding="utf-8"?>
+<p:sld xmlns:a="http://schemas.openxmlformats.org/drawingml/2006/main" xmlns:r="http://schemas.openxmlformats.org/officeDocument/2006/relationships" xmlns:p="http://schemas.openxmlformats.org/presentationml/2006/main">
+  <p:cSld>
+    <p:spTree>
+      <p:nvGrpSpPr>
+        <p:cNvPr id="1" name=""/>
+        <p:cNvGrpSpPr/>
+        <p:nvPr/>
+      </p:nvGrpSpPr>
+      <p:grpSpPr>
+        <a:xfrm>
+          <a:off x="0" y="0"/>
+          <a:ext cx="0" cy="0"/>
+          <a:chOff x="0" y="0"/>
+          <a:chExt cx="0" cy="0"/>
+        </a:xfrm>
+      </p:grpSpPr>
+      <p:sp>
+        <p:nvSpPr>
+          <p:cNvPr id="2" name="Title 1"/>
+          <p:cNvSpPr>
+            <a:spLocks noGrp="1"/>
+          </p:cNvSpPr>
+          <p:nvPr>
+            <p:ph type="title"/>
+          </p:nvPr>
+        </p:nvSpPr>
+        <p:spPr/>
+        <p:txBody>
+          <a:bodyPr/>
+          <a:lstStyle/>
+          <a:p>
+            <a:r>
+              <a:rPr lang="en-US" dirty="0" smtClean="0"/>
+              <a:t>Make or buy a motor driver shield</a:t>
+            </a:r>
+            <a:endParaRPr lang="en-US" dirty="0"/>
+          </a:p>
+        </p:txBody>
+      </p:sp>
+      <p:sp>
+        <p:nvSpPr>
+          <p:cNvPr id="3" name="Content Placeholder 2"/>
+          <p:cNvSpPr>
+            <a:spLocks noGrp="1"/>
+          </p:cNvSpPr>
+          <p:nvPr>
+            <p:ph idx="1"/>
+          </p:nvPr>
+        </p:nvSpPr>
+        <p:spPr/>
+        <p:txBody>
+          <a:bodyPr/>
+          <a:lstStyle/>
+          <a:p>
+            <a:endParaRPr lang="en-US"/>
+          </a:p>
+        </p:txBody>
+      </p:sp>
+    </p:spTree>
+    <p:extLst>
+      <p:ext uri="{BB962C8B-B14F-4D97-AF65-F5344CB8AC3E}">
+        <p14:creationId xmlns:p14="http://schemas.microsoft.com/office/powerpoint/2010/main" val="3746946945"/>
+      </p:ext>
+    </p:extLst>
+  </p:cSld>
+  <p:clrMapOvr>
+    <a:masterClrMapping/>
+  </p:clrMapOvr>
+</p:sld>
+</file>
+
+<file path=ppt/slides/slide12.xml><?xml version="1.0" encoding="utf-8"?>
+<p:sld xmlns:a="http://schemas.openxmlformats.org/drawingml/2006/main" xmlns:r="http://schemas.openxmlformats.org/officeDocument/2006/relationships" xmlns:p="http://schemas.openxmlformats.org/presentationml/2006/main">
+  <p:cSld>
+    <p:spTree>
+      <p:nvGrpSpPr>
+        <p:cNvPr id="1" name=""/>
+        <p:cNvGrpSpPr/>
+        <p:nvPr/>
+      </p:nvGrpSpPr>
+      <p:grpSpPr>
+        <a:xfrm>
+          <a:off x="0" y="0"/>
+          <a:ext cx="0" cy="0"/>
+          <a:chOff x="0" y="0"/>
+          <a:chExt cx="0" cy="0"/>
+        </a:xfrm>
+      </p:grpSpPr>
+      <p:sp>
+        <p:nvSpPr>
+          <p:cNvPr id="2" name="Title 1"/>
+          <p:cNvSpPr>
+            <a:spLocks noGrp="1"/>
+          </p:cNvSpPr>
+          <p:nvPr>
+            <p:ph type="title"/>
+          </p:nvPr>
+        </p:nvSpPr>
+        <p:spPr/>
+        <p:txBody>
+          <a:bodyPr/>
+          <a:lstStyle/>
+          <a:p>
+            <a:r>
+              <a:rPr lang="en-US" dirty="0" smtClean="0"/>
+              <a:t>Hook it all up</a:t>
+            </a:r>
+            <a:endParaRPr lang="en-US" dirty="0"/>
+          </a:p>
+        </p:txBody>
+      </p:sp>
+      <p:sp>
+        <p:nvSpPr>
+          <p:cNvPr id="3" name="Content Placeholder 2"/>
+          <p:cNvSpPr>
+            <a:spLocks noGrp="1"/>
+          </p:cNvSpPr>
+          <p:nvPr>
+            <p:ph idx="1"/>
+          </p:nvPr>
+        </p:nvSpPr>
+        <p:spPr/>
+        <p:txBody>
+          <a:bodyPr/>
+          <a:lstStyle/>
+          <a:p>
+            <a:endParaRPr lang="en-US"/>
+          </a:p>
+        </p:txBody>
+      </p:sp>
+    </p:spTree>
+    <p:extLst>
+      <p:ext uri="{BB962C8B-B14F-4D97-AF65-F5344CB8AC3E}">
+        <p14:creationId xmlns:p14="http://schemas.microsoft.com/office/powerpoint/2010/main" val="876382528"/>
+      </p:ext>
+    </p:extLst>
+  </p:cSld>
+  <p:clrMapOvr>
+    <a:masterClrMapping/>
+  </p:clrMapOvr>
+</p:sld>
+</file>
+
+<file path=ppt/slides/slide13.xml><?xml version="1.0" encoding="utf-8"?>
+<p:sld xmlns:a="http://schemas.openxmlformats.org/drawingml/2006/main" xmlns:r="http://schemas.openxmlformats.org/officeDocument/2006/relationships" xmlns:p="http://schemas.openxmlformats.org/presentationml/2006/main">
+  <p:cSld>
+    <p:spTree>
+      <p:nvGrpSpPr>
+        <p:cNvPr id="1" name=""/>
+        <p:cNvGrpSpPr/>
+        <p:nvPr/>
+      </p:nvGrpSpPr>
+      <p:grpSpPr>
+        <a:xfrm>
+          <a:off x="0" y="0"/>
+          <a:ext cx="0" cy="0"/>
+          <a:chOff x="0" y="0"/>
+          <a:chExt cx="0" cy="0"/>
+        </a:xfrm>
+      </p:grpSpPr>
+      <p:sp>
+        <p:nvSpPr>
+          <p:cNvPr id="2" name="Title 1"/>
+          <p:cNvSpPr>
+            <a:spLocks noGrp="1"/>
+          </p:cNvSpPr>
+          <p:nvPr>
+            <p:ph type="title"/>
+          </p:nvPr>
+        </p:nvSpPr>
+        <p:spPr/>
+        <p:txBody>
+          <a:bodyPr/>
+          <a:lstStyle/>
+          <a:p>
+            <a:r>
+              <a:rPr lang="en-US" dirty="0" smtClean="0"/>
+              <a:t>Program it!</a:t>
+            </a:r>
+            <a:endParaRPr lang="en-US" dirty="0"/>
+          </a:p>
+        </p:txBody>
+      </p:sp>
+      <p:sp>
+        <p:nvSpPr>
+          <p:cNvPr id="3" name="Content Placeholder 2"/>
+          <p:cNvSpPr>
+            <a:spLocks noGrp="1"/>
+          </p:cNvSpPr>
+          <p:nvPr>
+            <p:ph idx="1"/>
+          </p:nvPr>
+        </p:nvSpPr>
+        <p:spPr/>
+        <p:txBody>
+          <a:bodyPr/>
+          <a:lstStyle/>
+          <a:p>
+            <a:r>
+              <a:rPr lang="en-US" dirty="0"/>
+              <a:t>Get processing: </a:t>
+            </a:r>
+            <a:r>
+              <a:rPr lang="en-US" dirty="0">
+                <a:hlinkClick r:id="rId2"/>
+              </a:rPr>
+              <a:t>http://processing.org</a:t>
+            </a:r>
+            <a:r>
+              <a:rPr lang="en-US" dirty="0" smtClean="0">
+                <a:hlinkClick r:id="rId2"/>
+              </a:rPr>
+              <a:t>/</a:t>
+            </a:r>
+            <a:r>
+              <a:rPr lang="en-US" dirty="0" smtClean="0"/>
+              <a:t> </a:t>
+            </a:r>
+            <a:endParaRPr lang="en-US" dirty="0"/>
+          </a:p>
+          <a:p>
+            <a:r>
+              <a:rPr lang="en-US" dirty="0" smtClean="0"/>
+              <a:t>Get </a:t>
+            </a:r>
+            <a:r>
+              <a:rPr lang="en-US" dirty="0"/>
+              <a:t>my code: </a:t>
+            </a:r>
+            <a:r>
+              <a:rPr lang="en-US" dirty="0">
+                <a:hlinkClick r:id="rId3"/>
+              </a:rPr>
+              <a:t>https://</a:t>
+            </a:r>
+            <a:r>
+              <a:rPr lang="en-US" dirty="0" smtClean="0">
+                <a:hlinkClick r:id="rId3"/>
+              </a:rPr>
+              <a:t>github.com/antfriend/Tele</a:t>
+            </a:r>
+            <a:endParaRPr lang="en-US" dirty="0" smtClean="0"/>
+          </a:p>
+          <a:p>
+            <a:endParaRPr lang="en-US" dirty="0"/>
+          </a:p>
+        </p:txBody>
+      </p:sp>
+    </p:spTree>
+    <p:extLst>
+      <p:ext uri="{BB962C8B-B14F-4D97-AF65-F5344CB8AC3E}">
+        <p14:creationId xmlns:p14="http://schemas.microsoft.com/office/powerpoint/2010/main" val="558983104"/>
+      </p:ext>
+    </p:extLst>
+  </p:cSld>
+  <p:clrMapOvr>
+    <a:masterClrMapping/>
+  </p:clrMapOvr>
+</p:sld>
+</file>
+
+<file path=ppt/slides/slide14.xml><?xml version="1.0" encoding="utf-8"?>
+<p:sld xmlns:a="http://schemas.openxmlformats.org/drawingml/2006/main" xmlns:r="http://schemas.openxmlformats.org/officeDocument/2006/relationships" xmlns:p="http://schemas.openxmlformats.org/presentationml/2006/main">
+  <p:cSld>
+    <p:spTree>
+      <p:nvGrpSpPr>
+        <p:cNvPr id="1" name=""/>
+        <p:cNvGrpSpPr/>
+        <p:nvPr/>
+      </p:nvGrpSpPr>
+      <p:grpSpPr>
+        <a:xfrm>
+          <a:off x="0" y="0"/>
+          <a:ext cx="0" cy="0"/>
+          <a:chOff x="0" y="0"/>
+          <a:chExt cx="0" cy="0"/>
+        </a:xfrm>
+      </p:grpSpPr>
+      <p:sp>
+        <p:nvSpPr>
+          <p:cNvPr id="2" name="Title 1"/>
+          <p:cNvSpPr>
+            <a:spLocks noGrp="1"/>
+          </p:cNvSpPr>
+          <p:nvPr>
+            <p:ph type="title"/>
+          </p:nvPr>
+        </p:nvSpPr>
+        <p:spPr/>
+        <p:txBody>
+          <a:bodyPr/>
+          <a:lstStyle/>
+          <a:p>
+            <a:r>
+              <a:rPr lang="en-US" dirty="0" smtClean="0"/>
+              <a:t>Play!</a:t>
+            </a:r>
+            <a:endParaRPr lang="en-US" dirty="0"/>
+          </a:p>
+        </p:txBody>
+      </p:sp>
+      <p:sp>
+        <p:nvSpPr>
+          <p:cNvPr id="3" name="Content Placeholder 2"/>
+          <p:cNvSpPr>
+            <a:spLocks noGrp="1"/>
+          </p:cNvSpPr>
+          <p:nvPr>
+            <p:ph idx="1"/>
+          </p:nvPr>
+        </p:nvSpPr>
+        <p:spPr/>
+        <p:txBody>
+          <a:bodyPr/>
+          <a:lstStyle/>
+          <a:p>
+            <a:r>
+              <a:rPr lang="en-US" dirty="0" smtClean="0"/>
+              <a:t>Run the server (robot) app</a:t>
+            </a:r>
+          </a:p>
+          <a:p>
+            <a:r>
+              <a:rPr lang="en-US" dirty="0" smtClean="0"/>
+              <a:t>Run the client app</a:t>
+            </a:r>
+          </a:p>
+          <a:p>
+            <a:r>
+              <a:rPr lang="en-US" dirty="0" smtClean="0"/>
+              <a:t>Run Skype or </a:t>
+            </a:r>
+            <a:r>
+              <a:rPr lang="en-US" dirty="0" err="1" smtClean="0"/>
+              <a:t>Lync</a:t>
+            </a:r>
+            <a:endParaRPr lang="en-US" dirty="0" smtClean="0"/>
+          </a:p>
+          <a:p>
+            <a:endParaRPr lang="en-US" dirty="0"/>
+          </a:p>
+          <a:p>
+            <a:endParaRPr lang="en-US" dirty="0"/>
+          </a:p>
+        </p:txBody>
+      </p:sp>
+    </p:spTree>
+    <p:extLst>
+      <p:ext uri="{BB962C8B-B14F-4D97-AF65-F5344CB8AC3E}">
+        <p14:creationId xmlns:p14="http://schemas.microsoft.com/office/powerpoint/2010/main" val="3781336626"/>
+      </p:ext>
+    </p:extLst>
+  </p:cSld>
+  <p:clrMapOvr>
+    <a:masterClrMapping/>
+  </p:clrMapOvr>
+</p:sld>
+</file>
+
+<file path=ppt/slides/slide15.xml><?xml version="1.0" encoding="utf-8"?>
+<p:sld xmlns:a="http://schemas.openxmlformats.org/drawingml/2006/main" xmlns:r="http://schemas.openxmlformats.org/officeDocument/2006/relationships" xmlns:p="http://schemas.openxmlformats.org/presentationml/2006/main">
+  <p:cSld>
+    <p:spTree>
+      <p:nvGrpSpPr>
+        <p:cNvPr id="1" name=""/>
+        <p:cNvGrpSpPr/>
+        <p:nvPr/>
+      </p:nvGrpSpPr>
+      <p:grpSpPr>
+        <a:xfrm>
+          <a:off x="0" y="0"/>
+          <a:ext cx="0" cy="0"/>
+          <a:chOff x="0" y="0"/>
+          <a:chExt cx="0" cy="0"/>
+        </a:xfrm>
+      </p:grpSpPr>
+      <p:sp>
+        <p:nvSpPr>
+          <p:cNvPr id="2" name="Title 1"/>
+          <p:cNvSpPr>
+            <a:spLocks noGrp="1"/>
+          </p:cNvSpPr>
+          <p:nvPr>
+            <p:ph type="title"/>
+          </p:nvPr>
+        </p:nvSpPr>
+        <p:spPr/>
+        <p:txBody>
+          <a:bodyPr/>
+          <a:lstStyle/>
+          <a:p>
+            <a:r>
+              <a:rPr lang="en-US" dirty="0" smtClean="0"/>
+              <a:t>Autonomy</a:t>
+            </a:r>
+            <a:endParaRPr lang="en-US" dirty="0"/>
+          </a:p>
+        </p:txBody>
+      </p:sp>
+      <p:sp>
+        <p:nvSpPr>
+          <p:cNvPr id="3" name="Content Placeholder 2"/>
+          <p:cNvSpPr>
+            <a:spLocks noGrp="1"/>
+          </p:cNvSpPr>
+          <p:nvPr>
+            <p:ph idx="1"/>
+          </p:nvPr>
+        </p:nvSpPr>
+        <p:spPr/>
+        <p:txBody>
+          <a:bodyPr/>
+          <a:lstStyle/>
+          <a:p>
+            <a:r>
+              <a:rPr lang="en-US" dirty="0" smtClean="0"/>
+              <a:t>Use your laptop as a robotics platform</a:t>
+            </a:r>
+          </a:p>
+          <a:p>
+            <a:r>
+              <a:rPr lang="en-US">
+                <a:hlinkClick r:id="rId2"/>
+              </a:rPr>
+              <a:t>http://</a:t>
+            </a:r>
+            <a:r>
+              <a:rPr lang="en-US">
+                <a:hlinkClick r:id="rId2"/>
+              </a:rPr>
+              <a:t>opencv.willowgarage.com/wiki</a:t>
+            </a:r>
+            <a:r>
+              <a:rPr lang="en-US" smtClean="0">
+                <a:hlinkClick r:id="rId2"/>
+              </a:rPr>
+              <a:t>/</a:t>
+            </a:r>
+            <a:endParaRPr lang="en-US" smtClean="0"/>
+          </a:p>
+          <a:p>
+            <a:endParaRPr lang="en-US"/>
+          </a:p>
+        </p:txBody>
+      </p:sp>
+    </p:spTree>
+    <p:extLst>
+      <p:ext uri="{BB962C8B-B14F-4D97-AF65-F5344CB8AC3E}">
+        <p14:creationId xmlns:p14="http://schemas.microsoft.com/office/powerpoint/2010/main" val="1935979324"/>
+      </p:ext>
+    </p:extLst>
+  </p:cSld>
+  <p:clrMapOvr>
+    <a:masterClrMapping/>
+  </p:clrMapOvr>
+</p:sld>
+</file>
+
 <file path=ppt/slides/slide2.xml><?xml version="1.0" encoding="utf-8"?>
 <p:sld xmlns:a="http://schemas.openxmlformats.org/drawingml/2006/main" xmlns:r="http://schemas.openxmlformats.org/officeDocument/2006/relationships" xmlns:p="http://schemas.openxmlformats.org/presentationml/2006/main">
   <p:cSld>
@@ -3898,13 +4424,13 @@
   <p:clrMapOvr>
     <a:masterClrMapping/>
   </p:clrMapOvr>
-  <mc:AlternateContent xmlns:mc="http://schemas.openxmlformats.org/markup-compatibility/2006">
-    <mc:Choice xmlns:p14="http://schemas.microsoft.com/office/powerpoint/2010/main" Requires="p14">
+  <mc:AlternateContent xmlns:mc="http://schemas.openxmlformats.org/markup-compatibility/2006" xmlns:p14="http://schemas.microsoft.com/office/powerpoint/2010/main">
+    <mc:Choice Requires="p14">
       <p:transition spd="slow" p14:dur="900">
         <p14:warp dir="in"/>
       </p:transition>
     </mc:Choice>
-    <mc:Fallback>
+    <mc:Fallback xmlns="">
       <p:transition spd="slow">
         <p:fade/>
       </p:transition>
@@ -4137,6 +4663,296 @@
             <p:ph type="title"/>
           </p:nvPr>
         </p:nvSpPr>
+        <p:spPr/>
+        <p:txBody>
+          <a:bodyPr/>
+          <a:lstStyle/>
+          <a:p>
+            <a:r>
+              <a:rPr lang="en-US" dirty="0" smtClean="0"/>
+              <a:t>The Killer App?</a:t>
+            </a:r>
+            <a:endParaRPr lang="en-US" dirty="0"/>
+          </a:p>
+        </p:txBody>
+      </p:sp>
+      <p:pic>
+        <p:nvPicPr>
+          <p:cNvPr id="1026" name="Picture 2" descr="http://www.hizook.com/files/users/3/Telepresence_Robots_NYTimes.jpg"/>
+          <p:cNvPicPr>
+            <a:picLocks noChangeAspect="1" noChangeArrowheads="1"/>
+          </p:cNvPicPr>
+          <p:nvPr/>
+        </p:nvPicPr>
+        <p:blipFill>
+          <a:blip r:embed="rId2">
+            <a:extLst>
+              <a:ext uri="{28A0092B-C50C-407E-A947-70E740481C1C}">
+                <a14:useLocalDpi xmlns:a14="http://schemas.microsoft.com/office/drawing/2010/main" val="0"/>
+              </a:ext>
+            </a:extLst>
+          </a:blip>
+          <a:srcRect/>
+          <a:stretch>
+            <a:fillRect/>
+          </a:stretch>
+        </p:blipFill>
+        <p:spPr bwMode="auto">
+          <a:xfrm>
+            <a:off x="76200" y="1219200"/>
+            <a:ext cx="8991600" cy="3902540"/>
+          </a:xfrm>
+          <a:prstGeom prst="rect">
+            <a:avLst/>
+          </a:prstGeom>
+          <a:noFill/>
+          <a:extLst>
+            <a:ext uri="{909E8E84-426E-40DD-AFC4-6F175D3DCCD1}">
+              <a14:hiddenFill xmlns:a14="http://schemas.microsoft.com/office/drawing/2010/main">
+                <a:solidFill>
+                  <a:srgbClr val="FFFFFF"/>
+                </a:solidFill>
+              </a14:hiddenFill>
+            </a:ext>
+          </a:extLst>
+        </p:spPr>
+      </p:pic>
+      <p:pic>
+        <p:nvPicPr>
+          <p:cNvPr id="4" name="Picture 2" descr="http://www.parallax.com/Portals/0/Images/Prod/2/289/28992b-L.jpg"/>
+          <p:cNvPicPr>
+            <a:picLocks noChangeAspect="1" noChangeArrowheads="1"/>
+          </p:cNvPicPr>
+          <p:nvPr/>
+        </p:nvPicPr>
+        <p:blipFill>
+          <a:blip r:embed="rId3" cstate="print">
+            <a:extLst>
+              <a:ext uri="{28A0092B-C50C-407E-A947-70E740481C1C}">
+                <a14:useLocalDpi xmlns:a14="http://schemas.microsoft.com/office/drawing/2010/main" val="0"/>
+              </a:ext>
+            </a:extLst>
+          </a:blip>
+          <a:srcRect/>
+          <a:stretch>
+            <a:fillRect/>
+          </a:stretch>
+        </p:blipFill>
+        <p:spPr bwMode="auto">
+          <a:xfrm>
+            <a:off x="6248400" y="4647179"/>
+            <a:ext cx="1638300" cy="2213656"/>
+          </a:xfrm>
+          <a:prstGeom prst="rect">
+            <a:avLst/>
+          </a:prstGeom>
+          <a:noFill/>
+          <a:extLst>
+            <a:ext uri="{909E8E84-426E-40DD-AFC4-6F175D3DCCD1}">
+              <a14:hiddenFill xmlns:a14="http://schemas.microsoft.com/office/drawing/2010/main">
+                <a:solidFill>
+                  <a:srgbClr val="FFFFFF"/>
+                </a:solidFill>
+              </a14:hiddenFill>
+            </a:ext>
+          </a:extLst>
+        </p:spPr>
+      </p:pic>
+      <p:sp>
+        <p:nvSpPr>
+          <p:cNvPr id="5" name="TextBox 4"/>
+          <p:cNvSpPr txBox="1"/>
+          <p:nvPr/>
+        </p:nvSpPr>
+        <p:spPr>
+          <a:xfrm>
+            <a:off x="4724400" y="5726592"/>
+            <a:ext cx="1524000" cy="646331"/>
+          </a:xfrm>
+          <a:prstGeom prst="rect">
+            <a:avLst/>
+          </a:prstGeom>
+          <a:noFill/>
+        </p:spPr>
+        <p:txBody>
+          <a:bodyPr wrap="square" rtlCol="0">
+            <a:spAutoFit/>
+          </a:bodyPr>
+          <a:lstStyle/>
+          <a:p>
+            <a:pPr algn="ctr"/>
+            <a:r>
+              <a:rPr lang="en-US" dirty="0" smtClean="0"/>
+              <a:t>Parallax Eddie</a:t>
+            </a:r>
+          </a:p>
+          <a:p>
+            <a:pPr algn="ctr"/>
+            <a:r>
+              <a:rPr lang="en-US" dirty="0" smtClean="0"/>
+              <a:t>$1,250</a:t>
+            </a:r>
+            <a:endParaRPr lang="en-US" dirty="0"/>
+          </a:p>
+        </p:txBody>
+      </p:sp>
+    </p:spTree>
+    <p:extLst>
+      <p:ext uri="{BB962C8B-B14F-4D97-AF65-F5344CB8AC3E}">
+        <p14:creationId xmlns:p14="http://schemas.microsoft.com/office/powerpoint/2010/main" val="520848184"/>
+      </p:ext>
+    </p:extLst>
+  </p:cSld>
+  <p:clrMapOvr>
+    <a:masterClrMapping/>
+  </p:clrMapOvr>
+  <p:transition spd="slow">
+    <p:push dir="u"/>
+  </p:transition>
+  <p:timing>
+    <p:tnLst>
+      <p:par>
+        <p:cTn id="1" dur="indefinite" restart="never" nodeType="tmRoot"/>
+      </p:par>
+    </p:tnLst>
+  </p:timing>
+</p:sld>
+</file>
+
+<file path=ppt/slides/slide4.xml><?xml version="1.0" encoding="utf-8"?>
+<p:sld xmlns:a="http://schemas.openxmlformats.org/drawingml/2006/main" xmlns:r="http://schemas.openxmlformats.org/officeDocument/2006/relationships" xmlns:p="http://schemas.openxmlformats.org/presentationml/2006/main">
+  <p:cSld>
+    <p:spTree>
+      <p:nvGrpSpPr>
+        <p:cNvPr id="1" name=""/>
+        <p:cNvGrpSpPr/>
+        <p:nvPr/>
+      </p:nvGrpSpPr>
+      <p:grpSpPr>
+        <a:xfrm>
+          <a:off x="0" y="0"/>
+          <a:ext cx="0" cy="0"/>
+          <a:chOff x="0" y="0"/>
+          <a:chExt cx="0" cy="0"/>
+        </a:xfrm>
+      </p:grpSpPr>
+      <p:sp>
+        <p:nvSpPr>
+          <p:cNvPr id="2" name="Title 1"/>
+          <p:cNvSpPr>
+            <a:spLocks noGrp="1"/>
+          </p:cNvSpPr>
+          <p:nvPr>
+            <p:ph type="title"/>
+          </p:nvPr>
+        </p:nvSpPr>
+        <p:spPr/>
+        <p:txBody>
+          <a:bodyPr/>
+          <a:lstStyle/>
+          <a:p>
+            <a:r>
+              <a:rPr lang="en-US" dirty="0" smtClean="0"/>
+              <a:t>Demo</a:t>
+            </a:r>
+            <a:endParaRPr lang="en-US" dirty="0"/>
+          </a:p>
+        </p:txBody>
+      </p:sp>
+      <p:sp>
+        <p:nvSpPr>
+          <p:cNvPr id="3" name="Content Placeholder 2"/>
+          <p:cNvSpPr>
+            <a:spLocks noGrp="1"/>
+          </p:cNvSpPr>
+          <p:nvPr>
+            <p:ph idx="1"/>
+          </p:nvPr>
+        </p:nvSpPr>
+        <p:spPr>
+          <a:xfrm>
+            <a:off x="457200" y="1600201"/>
+            <a:ext cx="8229600" cy="1981200"/>
+          </a:xfrm>
+        </p:spPr>
+        <p:txBody>
+          <a:bodyPr/>
+          <a:lstStyle/>
+          <a:p>
+            <a:r>
+              <a:rPr lang="en-US" dirty="0"/>
+              <a:t>This is the lowest cost </a:t>
+            </a:r>
+            <a:r>
+              <a:rPr lang="en-US" dirty="0" err="1"/>
+              <a:t>telepresence</a:t>
+            </a:r>
+            <a:r>
+              <a:rPr lang="en-US" dirty="0"/>
+              <a:t> and computer vision platform anywhere.</a:t>
+            </a:r>
+          </a:p>
+          <a:p>
+            <a:r>
+              <a:rPr lang="en-US" dirty="0"/>
+              <a:t>Your living room will never be the same again</a:t>
+            </a:r>
+          </a:p>
+          <a:p>
+            <a:endParaRPr lang="en-US" dirty="0"/>
+          </a:p>
+        </p:txBody>
+      </p:sp>
+    </p:spTree>
+    <p:extLst>
+      <p:ext uri="{BB962C8B-B14F-4D97-AF65-F5344CB8AC3E}">
+        <p14:creationId xmlns:p14="http://schemas.microsoft.com/office/powerpoint/2010/main" val="1112889598"/>
+      </p:ext>
+    </p:extLst>
+  </p:cSld>
+  <p:clrMapOvr>
+    <a:masterClrMapping/>
+  </p:clrMapOvr>
+  <p:transition spd="slow">
+    <p:pull/>
+  </p:transition>
+  <p:timing>
+    <p:tnLst>
+      <p:par>
+        <p:cTn id="1" dur="indefinite" restart="never" nodeType="tmRoot"/>
+      </p:par>
+    </p:tnLst>
+  </p:timing>
+</p:sld>
+</file>
+
+<file path=ppt/slides/slide5.xml><?xml version="1.0" encoding="utf-8"?>
+<p:sld xmlns:a="http://schemas.openxmlformats.org/drawingml/2006/main" xmlns:r="http://schemas.openxmlformats.org/officeDocument/2006/relationships" xmlns:p="http://schemas.openxmlformats.org/presentationml/2006/main">
+  <p:cSld>
+    <p:spTree>
+      <p:nvGrpSpPr>
+        <p:cNvPr id="1" name=""/>
+        <p:cNvGrpSpPr/>
+        <p:nvPr/>
+      </p:nvGrpSpPr>
+      <p:grpSpPr>
+        <a:xfrm>
+          <a:off x="0" y="0"/>
+          <a:ext cx="0" cy="0"/>
+          <a:chOff x="0" y="0"/>
+          <a:chExt cx="0" cy="0"/>
+        </a:xfrm>
+      </p:grpSpPr>
+      <p:sp>
+        <p:nvSpPr>
+          <p:cNvPr id="2" name="Title 1"/>
+          <p:cNvSpPr>
+            <a:spLocks noGrp="1"/>
+          </p:cNvSpPr>
+          <p:nvPr>
+            <p:ph type="title"/>
+          </p:nvPr>
+        </p:nvSpPr>
         <p:spPr>
           <a:xfrm>
             <a:off x="457200" y="914400"/>
@@ -4217,11 +5033,7 @@
           <a:p>
             <a:r>
               <a:rPr lang="en-US" dirty="0" smtClean="0"/>
-              <a:t>A c</a:t>
-            </a:r>
-            <a:r>
-              <a:rPr lang="en-US" dirty="0" smtClean="0"/>
-              <a:t>astor wheel</a:t>
+              <a:t>A castor wheel</a:t>
             </a:r>
           </a:p>
           <a:p>
@@ -4340,6 +5152,18 @@
   <p:clrMapOvr>
     <a:masterClrMapping/>
   </p:clrMapOvr>
+  <mc:AlternateContent xmlns:mc="http://schemas.openxmlformats.org/markup-compatibility/2006" xmlns:p14="http://schemas.microsoft.com/office/powerpoint/2010/main">
+    <mc:Choice Requires="p14">
+      <p:transition spd="slow" p14:dur="1500">
+        <p:split orient="vert"/>
+      </p:transition>
+    </mc:Choice>
+    <mc:Fallback xmlns="">
+      <p:transition spd="slow">
+        <p:split orient="vert"/>
+      </p:transition>
+    </mc:Fallback>
+  </mc:AlternateContent>
   <p:timing>
     <p:tnLst>
       <p:par>
@@ -4429,7 +5253,7 @@
 </p:sld>
 </file>
 
-<file path=ppt/slides/slide4.xml><?xml version="1.0" encoding="utf-8"?>
+<file path=ppt/slides/slide6.xml><?xml version="1.0" encoding="utf-8"?>
 <p:sld xmlns:a="http://schemas.openxmlformats.org/drawingml/2006/main" xmlns:r="http://schemas.openxmlformats.org/officeDocument/2006/relationships" xmlns:p="http://schemas.openxmlformats.org/presentationml/2006/main">
   <p:cSld>
     <p:spTree>
@@ -4942,7 +5766,7 @@
 </p:sld>
 </file>
 
-<file path=ppt/slides/slide5.xml><?xml version="1.0" encoding="utf-8"?>
+<file path=ppt/slides/slide7.xml><?xml version="1.0" encoding="utf-8"?>
 <p:sld xmlns:a="http://schemas.openxmlformats.org/drawingml/2006/main" xmlns:r="http://schemas.openxmlformats.org/officeDocument/2006/relationships" xmlns:p="http://schemas.openxmlformats.org/presentationml/2006/main">
   <p:cSld>
     <p:spTree>
@@ -4976,7 +5800,31 @@
           <a:p>
             <a:r>
               <a:rPr lang="en-US" dirty="0" smtClean="0"/>
-              <a:t>You’ll see how to</a:t>
+              <a:t>Today You’ll </a:t>
+            </a:r>
+            <a:r>
+              <a:rPr lang="en-US" dirty="0"/>
+              <a:t>S</a:t>
+            </a:r>
+            <a:r>
+              <a:rPr lang="en-US" dirty="0" smtClean="0"/>
+              <a:t>ee </a:t>
+            </a:r>
+            <a:r>
+              <a:rPr lang="en-US" dirty="0"/>
+              <a:t>H</a:t>
+            </a:r>
+            <a:r>
+              <a:rPr lang="en-US" dirty="0" smtClean="0"/>
+              <a:t>ow </a:t>
+            </a:r>
+            <a:r>
+              <a:rPr lang="en-US" dirty="0"/>
+              <a:t>T</a:t>
+            </a:r>
+            <a:r>
+              <a:rPr lang="en-US" dirty="0" smtClean="0"/>
+              <a:t>o</a:t>
             </a:r>
             <a:endParaRPr lang="en-US" dirty="0"/>
           </a:p>
@@ -5021,8 +5869,16 @@
           </a:p>
           <a:p>
             <a:r>
+              <a:rPr lang="en-US" dirty="0" smtClean="0">
+                <a:solidFill>
+                  <a:srgbClr val="FF0000"/>
+                </a:solidFill>
+              </a:rPr>
+              <a:t>Program</a:t>
+            </a:r>
+            <a:r>
               <a:rPr lang="en-US" dirty="0" smtClean="0"/>
-              <a:t>Program it, Play in it</a:t>
+              <a:t> it, Play in it</a:t>
             </a:r>
           </a:p>
           <a:p>
@@ -5063,7 +5919,7 @@
 </p:sld>
 </file>
 
-<file path=ppt/slides/slide6.xml><?xml version="1.0" encoding="utf-8"?>
+<file path=ppt/slides/slide8.xml><?xml version="1.0" encoding="utf-8"?>
 <p:sld xmlns:a="http://schemas.openxmlformats.org/drawingml/2006/main" xmlns:r="http://schemas.openxmlformats.org/officeDocument/2006/relationships" xmlns:p="http://schemas.openxmlformats.org/presentationml/2006/main">
   <p:cSld>
     <p:spTree>
@@ -5113,13 +5969,13 @@
   <p:clrMapOvr>
     <a:masterClrMapping/>
   </p:clrMapOvr>
-  <mc:AlternateContent xmlns:mc="http://schemas.openxmlformats.org/markup-compatibility/2006">
-    <mc:Choice xmlns:p14="http://schemas.microsoft.com/office/powerpoint/2010/main" Requires="p14">
+  <mc:AlternateContent xmlns:mc="http://schemas.openxmlformats.org/markup-compatibility/2006" xmlns:p14="http://schemas.microsoft.com/office/powerpoint/2010/main">
+    <mc:Choice Requires="p14">
       <p:transition spd="slow" p14:dur="4000" advClick="0" advTm="6000">
         <p14:vortex dir="r"/>
       </p:transition>
     </mc:Choice>
-    <mc:Fallback>
+    <mc:Fallback xmlns="">
       <p:transition spd="slow" advClick="0" advTm="6000">
         <p:fade/>
       </p:transition>
@@ -5200,7 +6056,7 @@
 </p:sld>
 </file>
 
-<file path=ppt/slides/slide7.xml><?xml version="1.0" encoding="utf-8"?>
+<file path=ppt/slides/slide9.xml><?xml version="1.0" encoding="utf-8"?>
 <p:sld xmlns:a="http://schemas.openxmlformats.org/drawingml/2006/main" xmlns:r="http://schemas.openxmlformats.org/officeDocument/2006/relationships" xmlns:p="http://schemas.openxmlformats.org/presentationml/2006/main">
   <p:cSld>
     <p:spTree>
@@ -5307,11 +6163,7 @@
           <a:p>
             <a:r>
               <a:rPr lang="en-US" dirty="0" smtClean="0"/>
-              <a:t>A c</a:t>
-            </a:r>
-            <a:r>
-              <a:rPr lang="en-US" dirty="0" smtClean="0"/>
-              <a:t>astor wheel</a:t>
+              <a:t>A castor wheel</a:t>
             </a:r>
           </a:p>
           <a:p>

--- a/Zoomba.pptx
+++ b/Zoomba.pptx
@@ -5,7 +5,7 @@
     <p:sldMasterId id="2147483648" r:id="rId1"/>
   </p:sldMasterIdLst>
   <p:notesMasterIdLst>
-    <p:notesMasterId r:id="rId17"/>
+    <p:notesMasterId r:id="rId21"/>
   </p:notesMasterIdLst>
   <p:sldIdLst>
     <p:sldId id="256" r:id="rId2"/>
@@ -18,11 +18,15 @@
     <p:sldId id="261" r:id="rId9"/>
     <p:sldId id="260" r:id="rId10"/>
     <p:sldId id="263" r:id="rId11"/>
-    <p:sldId id="266" r:id="rId12"/>
-    <p:sldId id="267" r:id="rId13"/>
-    <p:sldId id="268" r:id="rId14"/>
-    <p:sldId id="269" r:id="rId15"/>
-    <p:sldId id="270" r:id="rId16"/>
+    <p:sldId id="271" r:id="rId12"/>
+    <p:sldId id="266" r:id="rId13"/>
+    <p:sldId id="272" r:id="rId14"/>
+    <p:sldId id="273" r:id="rId15"/>
+    <p:sldId id="267" r:id="rId16"/>
+    <p:sldId id="268" r:id="rId17"/>
+    <p:sldId id="269" r:id="rId18"/>
+    <p:sldId id="270" r:id="rId19"/>
+    <p:sldId id="274" r:id="rId20"/>
   </p:sldIdLst>
   <p:sldSz cx="9144000" cy="6858000" type="screen4x3"/>
   <p:notesSz cx="6858000" cy="9144000"/>
@@ -206,7 +210,7 @@
           <a:p>
             <a:fld id="{853791D8-136D-4068-B4FC-5E2D8AD64376}" type="datetimeFigureOut">
               <a:rPr lang="en-US" smtClean="0"/>
-              <a:t>3/22/2012</a:t>
+              <a:t>3/23/2012</a:t>
             </a:fld>
             <a:endParaRPr lang="en-US"/>
           </a:p>
@@ -686,6 +690,90 @@
 </p:notes>
 </file>
 
+<file path=ppt/notesSlides/notesSlide2.xml><?xml version="1.0" encoding="utf-8"?>
+<p:notes xmlns:a="http://schemas.openxmlformats.org/drawingml/2006/main" xmlns:r="http://schemas.openxmlformats.org/officeDocument/2006/relationships" xmlns:p="http://schemas.openxmlformats.org/presentationml/2006/main">
+  <p:cSld>
+    <p:spTree>
+      <p:nvGrpSpPr>
+        <p:cNvPr id="1" name=""/>
+        <p:cNvGrpSpPr/>
+        <p:nvPr/>
+      </p:nvGrpSpPr>
+      <p:grpSpPr>
+        <a:xfrm>
+          <a:off x="0" y="0"/>
+          <a:ext cx="0" cy="0"/>
+          <a:chOff x="0" y="0"/>
+          <a:chExt cx="0" cy="0"/>
+        </a:xfrm>
+      </p:grpSpPr>
+      <p:sp>
+        <p:nvSpPr>
+          <p:cNvPr id="2" name="Slide Image Placeholder 1"/>
+          <p:cNvSpPr>
+            <a:spLocks noGrp="1" noRot="1" noChangeAspect="1"/>
+          </p:cNvSpPr>
+          <p:nvPr>
+            <p:ph type="sldImg"/>
+          </p:nvPr>
+        </p:nvSpPr>
+        <p:spPr/>
+      </p:sp>
+      <p:sp>
+        <p:nvSpPr>
+          <p:cNvPr id="3" name="Notes Placeholder 2"/>
+          <p:cNvSpPr>
+            <a:spLocks noGrp="1"/>
+          </p:cNvSpPr>
+          <p:nvPr>
+            <p:ph type="body" idx="1"/>
+          </p:nvPr>
+        </p:nvSpPr>
+        <p:spPr/>
+        <p:txBody>
+          <a:bodyPr/>
+          <a:lstStyle/>
+          <a:p>
+            <a:endParaRPr lang="en-US" dirty="0"/>
+          </a:p>
+        </p:txBody>
+      </p:sp>
+      <p:sp>
+        <p:nvSpPr>
+          <p:cNvPr id="4" name="Slide Number Placeholder 3"/>
+          <p:cNvSpPr>
+            <a:spLocks noGrp="1"/>
+          </p:cNvSpPr>
+          <p:nvPr>
+            <p:ph type="sldNum" sz="quarter" idx="10"/>
+          </p:nvPr>
+        </p:nvSpPr>
+        <p:spPr/>
+        <p:txBody>
+          <a:bodyPr/>
+          <a:lstStyle/>
+          <a:p>
+            <a:fld id="{E8E81CFD-8A74-4DE4-9EBA-8EB9145D0630}" type="slidenum">
+              <a:rPr lang="en-US" smtClean="0"/>
+              <a:t>14</a:t>
+            </a:fld>
+            <a:endParaRPr lang="en-US"/>
+          </a:p>
+        </p:txBody>
+      </p:sp>
+    </p:spTree>
+    <p:extLst>
+      <p:ext uri="{BB962C8B-B14F-4D97-AF65-F5344CB8AC3E}">
+        <p14:creationId xmlns:p14="http://schemas.microsoft.com/office/powerpoint/2010/main" val="44470344"/>
+      </p:ext>
+    </p:extLst>
+  </p:cSld>
+  <p:clrMapOvr>
+    <a:masterClrMapping/>
+  </p:clrMapOvr>
+</p:notes>
+</file>
+
 <file path=ppt/slideLayouts/slideLayout1.xml><?xml version="1.0" encoding="utf-8"?>
 <p:sldLayout xmlns:a="http://schemas.openxmlformats.org/drawingml/2006/main" xmlns:r="http://schemas.openxmlformats.org/officeDocument/2006/relationships" xmlns:p="http://schemas.openxmlformats.org/presentationml/2006/main" type="title" preserve="1">
   <p:cSld name="Title Slide">
@@ -867,7 +955,7 @@
           <a:p>
             <a:fld id="{E3EA277C-1A56-4E00-961C-911F169A230D}" type="datetimeFigureOut">
               <a:rPr lang="en-US" smtClean="0"/>
-              <a:t>3/22/2012</a:t>
+              <a:t>3/23/2012</a:t>
             </a:fld>
             <a:endParaRPr lang="en-US"/>
           </a:p>
@@ -1037,7 +1125,7 @@
           <a:p>
             <a:fld id="{E3EA277C-1A56-4E00-961C-911F169A230D}" type="datetimeFigureOut">
               <a:rPr lang="en-US" smtClean="0"/>
-              <a:t>3/22/2012</a:t>
+              <a:t>3/23/2012</a:t>
             </a:fld>
             <a:endParaRPr lang="en-US"/>
           </a:p>
@@ -1217,7 +1305,7 @@
           <a:p>
             <a:fld id="{E3EA277C-1A56-4E00-961C-911F169A230D}" type="datetimeFigureOut">
               <a:rPr lang="en-US" smtClean="0"/>
-              <a:t>3/22/2012</a:t>
+              <a:t>3/23/2012</a:t>
             </a:fld>
             <a:endParaRPr lang="en-US"/>
           </a:p>
@@ -1387,7 +1475,7 @@
           <a:p>
             <a:fld id="{E3EA277C-1A56-4E00-961C-911F169A230D}" type="datetimeFigureOut">
               <a:rPr lang="en-US" smtClean="0"/>
-              <a:t>3/22/2012</a:t>
+              <a:t>3/23/2012</a:t>
             </a:fld>
             <a:endParaRPr lang="en-US"/>
           </a:p>
@@ -1633,7 +1721,7 @@
           <a:p>
             <a:fld id="{E3EA277C-1A56-4E00-961C-911F169A230D}" type="datetimeFigureOut">
               <a:rPr lang="en-US" smtClean="0"/>
-              <a:t>3/22/2012</a:t>
+              <a:t>3/23/2012</a:t>
             </a:fld>
             <a:endParaRPr lang="en-US"/>
           </a:p>
@@ -1921,7 +2009,7 @@
           <a:p>
             <a:fld id="{E3EA277C-1A56-4E00-961C-911F169A230D}" type="datetimeFigureOut">
               <a:rPr lang="en-US" smtClean="0"/>
-              <a:t>3/22/2012</a:t>
+              <a:t>3/23/2012</a:t>
             </a:fld>
             <a:endParaRPr lang="en-US"/>
           </a:p>
@@ -2343,7 +2431,7 @@
           <a:p>
             <a:fld id="{E3EA277C-1A56-4E00-961C-911F169A230D}" type="datetimeFigureOut">
               <a:rPr lang="en-US" smtClean="0"/>
-              <a:t>3/22/2012</a:t>
+              <a:t>3/23/2012</a:t>
             </a:fld>
             <a:endParaRPr lang="en-US"/>
           </a:p>
@@ -2461,7 +2549,7 @@
           <a:p>
             <a:fld id="{E3EA277C-1A56-4E00-961C-911F169A230D}" type="datetimeFigureOut">
               <a:rPr lang="en-US" smtClean="0"/>
-              <a:t>3/22/2012</a:t>
+              <a:t>3/23/2012</a:t>
             </a:fld>
             <a:endParaRPr lang="en-US"/>
           </a:p>
@@ -2556,7 +2644,7 @@
           <a:p>
             <a:fld id="{E3EA277C-1A56-4E00-961C-911F169A230D}" type="datetimeFigureOut">
               <a:rPr lang="en-US" smtClean="0"/>
-              <a:t>3/22/2012</a:t>
+              <a:t>3/23/2012</a:t>
             </a:fld>
             <a:endParaRPr lang="en-US"/>
           </a:p>
@@ -2833,7 +2921,7 @@
           <a:p>
             <a:fld id="{E3EA277C-1A56-4E00-961C-911F169A230D}" type="datetimeFigureOut">
               <a:rPr lang="en-US" smtClean="0"/>
-              <a:t>3/22/2012</a:t>
+              <a:t>3/23/2012</a:t>
             </a:fld>
             <a:endParaRPr lang="en-US"/>
           </a:p>
@@ -3086,7 +3174,7 @@
           <a:p>
             <a:fld id="{E3EA277C-1A56-4E00-961C-911F169A230D}" type="datetimeFigureOut">
               <a:rPr lang="en-US" smtClean="0"/>
-              <a:t>3/22/2012</a:t>
+              <a:t>3/23/2012</a:t>
             </a:fld>
             <a:endParaRPr lang="en-US"/>
           </a:p>
@@ -3299,7 +3387,7 @@
           <a:p>
             <a:fld id="{E3EA277C-1A56-4E00-961C-911F169A230D}" type="datetimeFigureOut">
               <a:rPr lang="en-US" smtClean="0"/>
-              <a:t>3/22/2012</a:t>
+              <a:t>3/23/2012</a:t>
             </a:fld>
             <a:endParaRPr lang="en-US"/>
           </a:p>
@@ -3811,54 +3899,193 @@
           <a:chExt cx="0" cy="0"/>
         </a:xfrm>
       </p:grpSpPr>
-      <p:sp>
-        <p:nvSpPr>
-          <p:cNvPr id="2" name="Title 1"/>
-          <p:cNvSpPr>
-            <a:spLocks noGrp="1"/>
-          </p:cNvSpPr>
-          <p:nvPr>
-            <p:ph type="title"/>
-          </p:nvPr>
-        </p:nvSpPr>
-        <p:spPr/>
-        <p:txBody>
-          <a:bodyPr/>
-          <a:lstStyle/>
-          <a:p>
-            <a:r>
-              <a:rPr lang="en-US" dirty="0" smtClean="0"/>
-              <a:t>Let’s Hack it</a:t>
-            </a:r>
-            <a:endParaRPr lang="en-US" dirty="0"/>
-          </a:p>
-        </p:txBody>
-      </p:sp>
-      <p:sp>
-        <p:nvSpPr>
-          <p:cNvPr id="3" name="Content Placeholder 2"/>
-          <p:cNvSpPr>
-            <a:spLocks noGrp="1"/>
-          </p:cNvSpPr>
-          <p:nvPr>
-            <p:ph idx="1"/>
-          </p:nvPr>
-        </p:nvSpPr>
-        <p:spPr/>
-        <p:txBody>
-          <a:bodyPr/>
-          <a:lstStyle/>
-          <a:p>
-            <a:r>
-              <a:rPr lang="en-US" dirty="0" smtClean="0"/>
-              <a:t>Tear out this that and the other thing to get to the motor leads</a:t>
-            </a:r>
-          </a:p>
-          <a:p>
-            <a:endParaRPr lang="en-US" dirty="0"/>
-          </a:p>
-        </p:txBody>
-      </p:sp>
+      <p:pic>
+        <p:nvPicPr>
+          <p:cNvPr id="1033" name="Picture 9" descr="http://farm8.staticflickr.com/7055/6978155255_d9960e0629.jpg"/>
+          <p:cNvPicPr>
+            <a:picLocks noChangeAspect="1" noChangeArrowheads="1"/>
+          </p:cNvPicPr>
+          <p:nvPr/>
+        </p:nvPicPr>
+        <p:blipFill>
+          <a:blip r:embed="rId2">
+            <a:extLst>
+              <a:ext uri="{28A0092B-C50C-407E-A947-70E740481C1C}">
+                <a14:useLocalDpi xmlns:a14="http://schemas.microsoft.com/office/drawing/2010/main" val="0"/>
+              </a:ext>
+            </a:extLst>
+          </a:blip>
+          <a:srcRect/>
+          <a:stretch>
+            <a:fillRect/>
+          </a:stretch>
+        </p:blipFill>
+        <p:spPr bwMode="auto">
+          <a:xfrm>
+            <a:off x="5181600" y="1765934"/>
+            <a:ext cx="3562350" cy="4762500"/>
+          </a:xfrm>
+          <a:prstGeom prst="rect">
+            <a:avLst/>
+          </a:prstGeom>
+          <a:noFill/>
+          <a:extLst>
+            <a:ext uri="{909E8E84-426E-40DD-AFC4-6F175D3DCCD1}">
+              <a14:hiddenFill xmlns:a14="http://schemas.microsoft.com/office/drawing/2010/main">
+                <a:solidFill>
+                  <a:srgbClr val="FFFFFF"/>
+                </a:solidFill>
+              </a14:hiddenFill>
+            </a:ext>
+          </a:extLst>
+        </p:spPr>
+      </p:pic>
+      <p:pic>
+        <p:nvPicPr>
+          <p:cNvPr id="1027" name="Picture 3"/>
+          <p:cNvPicPr>
+            <a:picLocks noChangeAspect="1" noChangeArrowheads="1"/>
+          </p:cNvPicPr>
+          <p:nvPr/>
+        </p:nvPicPr>
+        <p:blipFill>
+          <a:blip r:embed="rId3">
+            <a:extLst>
+              <a:ext uri="{28A0092B-C50C-407E-A947-70E740481C1C}">
+                <a14:useLocalDpi xmlns:a14="http://schemas.microsoft.com/office/drawing/2010/main" val="0"/>
+              </a:ext>
+            </a:extLst>
+          </a:blip>
+          <a:srcRect/>
+          <a:stretch>
+            <a:fillRect/>
+          </a:stretch>
+        </p:blipFill>
+        <p:spPr bwMode="auto">
+          <a:xfrm>
+            <a:off x="0" y="0"/>
+            <a:ext cx="4762500" cy="3562350"/>
+          </a:xfrm>
+          <a:prstGeom prst="rect">
+            <a:avLst/>
+          </a:prstGeom>
+          <a:noFill/>
+          <a:ln>
+            <a:noFill/>
+          </a:ln>
+          <a:effectLst/>
+          <a:extLst>
+            <a:ext uri="{909E8E84-426E-40DD-AFC4-6F175D3DCCD1}">
+              <a14:hiddenFill xmlns:a14="http://schemas.microsoft.com/office/drawing/2010/main">
+                <a:solidFill>
+                  <a:schemeClr val="accent1"/>
+                </a:solidFill>
+              </a14:hiddenFill>
+            </a:ext>
+            <a:ext uri="{91240B29-F687-4F45-9708-019B960494DF}">
+              <a14:hiddenLine xmlns:a14="http://schemas.microsoft.com/office/drawing/2010/main" w="9525">
+                <a:solidFill>
+                  <a:schemeClr val="tx1"/>
+                </a:solidFill>
+                <a:miter lim="800000"/>
+                <a:headEnd/>
+                <a:tailEnd/>
+              </a14:hiddenLine>
+            </a:ext>
+            <a:ext uri="{AF507438-7753-43E0-B8FC-AC1667EBCBE1}">
+              <a14:hiddenEffects xmlns:a14="http://schemas.microsoft.com/office/drawing/2010/main">
+                <a:effectLst>
+                  <a:outerShdw dist="35921" dir="2700000" algn="ctr" rotWithShape="0">
+                    <a:schemeClr val="bg2"/>
+                  </a:outerShdw>
+                </a:effectLst>
+              </a14:hiddenEffects>
+            </a:ext>
+          </a:extLst>
+        </p:spPr>
+      </p:pic>
+      <p:pic>
+        <p:nvPicPr>
+          <p:cNvPr id="1029" name="Picture 5" descr="http://farm8.staticflickr.com/7054/6978169757_c4086f4ece.jpg"/>
+          <p:cNvPicPr>
+            <a:picLocks noChangeAspect="1" noChangeArrowheads="1"/>
+          </p:cNvPicPr>
+          <p:nvPr/>
+        </p:nvPicPr>
+        <p:blipFill>
+          <a:blip r:embed="rId4">
+            <a:extLst>
+              <a:ext uri="{28A0092B-C50C-407E-A947-70E740481C1C}">
+                <a14:useLocalDpi xmlns:a14="http://schemas.microsoft.com/office/drawing/2010/main" val="0"/>
+              </a:ext>
+            </a:extLst>
+          </a:blip>
+          <a:srcRect/>
+          <a:stretch>
+            <a:fillRect/>
+          </a:stretch>
+        </p:blipFill>
+        <p:spPr bwMode="auto">
+          <a:xfrm>
+            <a:off x="4381500" y="-15241"/>
+            <a:ext cx="4762500" cy="3562351"/>
+          </a:xfrm>
+          <a:prstGeom prst="rect">
+            <a:avLst/>
+          </a:prstGeom>
+          <a:noFill/>
+          <a:extLst>
+            <a:ext uri="{909E8E84-426E-40DD-AFC4-6F175D3DCCD1}">
+              <a14:hiddenFill xmlns:a14="http://schemas.microsoft.com/office/drawing/2010/main">
+                <a:solidFill>
+                  <a:srgbClr val="FFFFFF"/>
+                </a:solidFill>
+              </a14:hiddenFill>
+            </a:ext>
+          </a:extLst>
+        </p:spPr>
+      </p:pic>
+      <p:pic>
+        <p:nvPicPr>
+          <p:cNvPr id="1031" name="Picture 7" descr="http://farm8.staticflickr.com/7054/6832029210_a2d07b269c.jpg"/>
+          <p:cNvPicPr>
+            <a:picLocks noChangeAspect="1" noChangeArrowheads="1"/>
+          </p:cNvPicPr>
+          <p:nvPr/>
+        </p:nvPicPr>
+        <p:blipFill>
+          <a:blip r:embed="rId5">
+            <a:extLst>
+              <a:ext uri="{28A0092B-C50C-407E-A947-70E740481C1C}">
+                <a14:useLocalDpi xmlns:a14="http://schemas.microsoft.com/office/drawing/2010/main" val="0"/>
+              </a:ext>
+            </a:extLst>
+          </a:blip>
+          <a:srcRect/>
+          <a:stretch>
+            <a:fillRect/>
+          </a:stretch>
+        </p:blipFill>
+        <p:spPr bwMode="auto">
+          <a:xfrm>
+            <a:off x="-15240" y="3516630"/>
+            <a:ext cx="4762500" cy="3562351"/>
+          </a:xfrm>
+          <a:prstGeom prst="rect">
+            <a:avLst/>
+          </a:prstGeom>
+          <a:noFill/>
+          <a:extLst>
+            <a:ext uri="{909E8E84-426E-40DD-AFC4-6F175D3DCCD1}">
+              <a14:hiddenFill xmlns:a14="http://schemas.microsoft.com/office/drawing/2010/main">
+                <a:solidFill>
+                  <a:srgbClr val="FFFFFF"/>
+                </a:solidFill>
+              </a14:hiddenFill>
+            </a:ext>
+          </a:extLst>
+        </p:spPr>
+      </p:pic>
     </p:spTree>
     <p:extLst>
       <p:ext uri="{BB962C8B-B14F-4D97-AF65-F5344CB8AC3E}">
@@ -3869,6 +4096,18 @@
   <p:clrMapOvr>
     <a:masterClrMapping/>
   </p:clrMapOvr>
+  <mc:AlternateContent xmlns:mc="http://schemas.openxmlformats.org/markup-compatibility/2006">
+    <mc:Choice xmlns:p14="http://schemas.microsoft.com/office/powerpoint/2010/main" Requires="p14">
+      <p:transition spd="slow" p14:dur="800">
+        <p14:flythrough/>
+      </p:transition>
+    </mc:Choice>
+    <mc:Fallback>
+      <p:transition spd="slow">
+        <p:fade/>
+      </p:transition>
+    </mc:Fallback>
+  </mc:AlternateContent>
   <p:timing>
     <p:tnLst>
       <p:par>
@@ -3913,41 +4152,123 @@
           <a:p>
             <a:r>
               <a:rPr lang="en-US" dirty="0" smtClean="0"/>
-              <a:t>Make or buy a motor driver shield</a:t>
+              <a:t>Spacious without the vacuum</a:t>
             </a:r>
             <a:endParaRPr lang="en-US" dirty="0"/>
           </a:p>
         </p:txBody>
       </p:sp>
-      <p:sp>
-        <p:nvSpPr>
-          <p:cNvPr id="3" name="Content Placeholder 2"/>
-          <p:cNvSpPr>
-            <a:spLocks noGrp="1"/>
-          </p:cNvSpPr>
-          <p:nvPr>
-            <p:ph idx="1"/>
-          </p:nvPr>
-        </p:nvSpPr>
-        <p:spPr/>
-        <p:txBody>
-          <a:bodyPr/>
-          <a:lstStyle/>
-          <a:p>
-            <a:endParaRPr lang="en-US"/>
-          </a:p>
-        </p:txBody>
-      </p:sp>
+      <p:pic>
+        <p:nvPicPr>
+          <p:cNvPr id="2050" name="Picture 2" descr="http://farm8.staticflickr.com/7038/6832022114_76b6cbef54.jpg"/>
+          <p:cNvPicPr>
+            <a:picLocks noChangeAspect="1" noChangeArrowheads="1"/>
+          </p:cNvPicPr>
+          <p:nvPr/>
+        </p:nvPicPr>
+        <p:blipFill>
+          <a:blip r:embed="rId2">
+            <a:extLst>
+              <a:ext uri="{28A0092B-C50C-407E-A947-70E740481C1C}">
+                <a14:useLocalDpi xmlns:a14="http://schemas.microsoft.com/office/drawing/2010/main" val="0"/>
+              </a:ext>
+            </a:extLst>
+          </a:blip>
+          <a:srcRect/>
+          <a:stretch>
+            <a:fillRect/>
+          </a:stretch>
+        </p:blipFill>
+        <p:spPr bwMode="auto">
+          <a:xfrm>
+            <a:off x="155575" y="2133600"/>
+            <a:ext cx="4762500" cy="3562351"/>
+          </a:xfrm>
+          <a:prstGeom prst="rect">
+            <a:avLst/>
+          </a:prstGeom>
+          <a:noFill/>
+          <a:extLst>
+            <a:ext uri="{909E8E84-426E-40DD-AFC4-6F175D3DCCD1}">
+              <a14:hiddenFill xmlns:a14="http://schemas.microsoft.com/office/drawing/2010/main">
+                <a:solidFill>
+                  <a:srgbClr val="FFFFFF"/>
+                </a:solidFill>
+              </a14:hiddenFill>
+            </a:ext>
+          </a:extLst>
+        </p:spPr>
+      </p:pic>
+      <p:pic>
+        <p:nvPicPr>
+          <p:cNvPr id="2052" name="Picture 4" descr="http://farm8.staticflickr.com/7206/6832051194_3c55fba824.jpg"/>
+          <p:cNvPicPr>
+            <a:picLocks noChangeAspect="1" noChangeArrowheads="1"/>
+          </p:cNvPicPr>
+          <p:nvPr/>
+        </p:nvPicPr>
+        <p:blipFill>
+          <a:blip r:embed="rId3">
+            <a:extLst>
+              <a:ext uri="{28A0092B-C50C-407E-A947-70E740481C1C}">
+                <a14:useLocalDpi xmlns:a14="http://schemas.microsoft.com/office/drawing/2010/main" val="0"/>
+              </a:ext>
+            </a:extLst>
+          </a:blip>
+          <a:srcRect/>
+          <a:stretch>
+            <a:fillRect/>
+          </a:stretch>
+        </p:blipFill>
+        <p:spPr bwMode="auto">
+          <a:xfrm>
+            <a:off x="5334000" y="1447800"/>
+            <a:ext cx="3562350" cy="4762500"/>
+          </a:xfrm>
+          <a:prstGeom prst="rect">
+            <a:avLst/>
+          </a:prstGeom>
+          <a:noFill/>
+          <a:extLst>
+            <a:ext uri="{909E8E84-426E-40DD-AFC4-6F175D3DCCD1}">
+              <a14:hiddenFill xmlns:a14="http://schemas.microsoft.com/office/drawing/2010/main">
+                <a:solidFill>
+                  <a:srgbClr val="FFFFFF"/>
+                </a:solidFill>
+              </a14:hiddenFill>
+            </a:ext>
+          </a:extLst>
+        </p:spPr>
+      </p:pic>
     </p:spTree>
     <p:extLst>
       <p:ext uri="{BB962C8B-B14F-4D97-AF65-F5344CB8AC3E}">
-        <p14:creationId xmlns:p14="http://schemas.microsoft.com/office/powerpoint/2010/main" val="3746946945"/>
+        <p14:creationId xmlns:p14="http://schemas.microsoft.com/office/powerpoint/2010/main" val="3192373486"/>
       </p:ext>
     </p:extLst>
   </p:cSld>
   <p:clrMapOvr>
     <a:masterClrMapping/>
   </p:clrMapOvr>
+  <mc:AlternateContent xmlns:mc="http://schemas.openxmlformats.org/markup-compatibility/2006">
+    <mc:Choice xmlns:p14="http://schemas.microsoft.com/office/powerpoint/2010/main" Requires="p14">
+      <p:transition spd="slow" p14:dur="800">
+        <p14:flythrough/>
+      </p:transition>
+    </mc:Choice>
+    <mc:Fallback>
+      <p:transition spd="slow">
+        <p:fade/>
+      </p:transition>
+    </mc:Fallback>
+  </mc:AlternateContent>
+  <p:timing>
+    <p:tnLst>
+      <p:par>
+        <p:cTn id="1" dur="indefinite" restart="never" nodeType="tmRoot"/>
+      </p:par>
+    </p:tnLst>
+  </p:timing>
 </p:sld>
 </file>
 
@@ -3985,7 +4306,7 @@
           <a:p>
             <a:r>
               <a:rPr lang="en-US" dirty="0" smtClean="0"/>
-              <a:t>Hook it all up</a:t>
+              <a:t>Make or buy a motor driver shield</a:t>
             </a:r>
             <a:endParaRPr lang="en-US" dirty="0"/>
           </a:p>
@@ -4010,16 +4331,117 @@
           </a:p>
         </p:txBody>
       </p:sp>
+      <p:pic>
+        <p:nvPicPr>
+          <p:cNvPr id="4098" name="Picture 2" descr="http://farm8.staticflickr.com/7053/6846637028_5c38112b6b.jpg"/>
+          <p:cNvPicPr>
+            <a:picLocks noChangeAspect="1" noChangeArrowheads="1"/>
+          </p:cNvPicPr>
+          <p:nvPr/>
+        </p:nvPicPr>
+        <p:blipFill>
+          <a:blip r:embed="rId2">
+            <a:extLst>
+              <a:ext uri="{28A0092B-C50C-407E-A947-70E740481C1C}">
+                <a14:useLocalDpi xmlns:a14="http://schemas.microsoft.com/office/drawing/2010/main" val="0"/>
+              </a:ext>
+            </a:extLst>
+          </a:blip>
+          <a:srcRect/>
+          <a:stretch>
+            <a:fillRect/>
+          </a:stretch>
+        </p:blipFill>
+        <p:spPr bwMode="auto">
+          <a:xfrm>
+            <a:off x="76200" y="2152649"/>
+            <a:ext cx="4762500" cy="3562351"/>
+          </a:xfrm>
+          <a:prstGeom prst="rect">
+            <a:avLst/>
+          </a:prstGeom>
+          <a:noFill/>
+          <a:extLst>
+            <a:ext uri="{909E8E84-426E-40DD-AFC4-6F175D3DCCD1}">
+              <a14:hiddenFill xmlns:a14="http://schemas.microsoft.com/office/drawing/2010/main">
+                <a:solidFill>
+                  <a:srgbClr val="FFFFFF"/>
+                </a:solidFill>
+              </a14:hiddenFill>
+            </a:ext>
+          </a:extLst>
+        </p:spPr>
+      </p:pic>
+      <p:pic>
+        <p:nvPicPr>
+          <p:cNvPr id="4100" name="Picture 4" descr="Arduino Motor Shield"/>
+          <p:cNvPicPr>
+            <a:picLocks noChangeAspect="1" noChangeArrowheads="1"/>
+          </p:cNvPicPr>
+          <p:nvPr/>
+        </p:nvPicPr>
+        <p:blipFill>
+          <a:blip r:embed="rId3">
+            <a:extLst>
+              <a:ext uri="{28A0092B-C50C-407E-A947-70E740481C1C}">
+                <a14:useLocalDpi xmlns:a14="http://schemas.microsoft.com/office/drawing/2010/main" val="0"/>
+              </a:ext>
+            </a:extLst>
+          </a:blip>
+          <a:srcRect/>
+          <a:stretch>
+            <a:fillRect/>
+          </a:stretch>
+        </p:blipFill>
+        <p:spPr bwMode="auto">
+          <a:xfrm>
+            <a:off x="5181600" y="2790824"/>
+            <a:ext cx="3286125" cy="2238376"/>
+          </a:xfrm>
+          <a:prstGeom prst="rect">
+            <a:avLst/>
+          </a:prstGeom>
+          <a:noFill/>
+          <a:extLst>
+            <a:ext uri="{909E8E84-426E-40DD-AFC4-6F175D3DCCD1}">
+              <a14:hiddenFill xmlns:a14="http://schemas.microsoft.com/office/drawing/2010/main">
+                <a:solidFill>
+                  <a:srgbClr val="FFFFFF"/>
+                </a:solidFill>
+              </a14:hiddenFill>
+            </a:ext>
+          </a:extLst>
+        </p:spPr>
+      </p:pic>
     </p:spTree>
     <p:extLst>
       <p:ext uri="{BB962C8B-B14F-4D97-AF65-F5344CB8AC3E}">
-        <p14:creationId xmlns:p14="http://schemas.microsoft.com/office/powerpoint/2010/main" val="876382528"/>
+        <p14:creationId xmlns:p14="http://schemas.microsoft.com/office/powerpoint/2010/main" val="3746946945"/>
       </p:ext>
     </p:extLst>
   </p:cSld>
   <p:clrMapOvr>
     <a:masterClrMapping/>
   </p:clrMapOvr>
+  <mc:AlternateContent xmlns:mc="http://schemas.openxmlformats.org/markup-compatibility/2006">
+    <mc:Choice xmlns:p14="http://schemas.microsoft.com/office/powerpoint/2010/main" Requires="p14">
+      <p:transition spd="slow" p14:dur="800">
+        <p14:flythrough/>
+      </p:transition>
+    </mc:Choice>
+    <mc:Fallback>
+      <p:transition spd="slow">
+        <p:fade/>
+      </p:transition>
+    </mc:Fallback>
+  </mc:AlternateContent>
+  <p:timing>
+    <p:tnLst>
+      <p:par>
+        <p:cTn id="1" dur="indefinite" restart="never" nodeType="tmRoot"/>
+      </p:par>
+    </p:tnLst>
+  </p:timing>
 </p:sld>
 </file>
 
@@ -4040,6 +4462,88 @@
           <a:chExt cx="0" cy="0"/>
         </a:xfrm>
       </p:grpSpPr>
+      <p:pic>
+        <p:nvPicPr>
+          <p:cNvPr id="3080" name="Picture 8" descr="http://farm8.staticflickr.com/7184/6846636046_5069a749d7.jpg"/>
+          <p:cNvPicPr>
+            <a:picLocks noChangeAspect="1" noChangeArrowheads="1"/>
+          </p:cNvPicPr>
+          <p:nvPr/>
+        </p:nvPicPr>
+        <p:blipFill>
+          <a:blip r:embed="rId2">
+            <a:extLst>
+              <a:ext uri="{28A0092B-C50C-407E-A947-70E740481C1C}">
+                <a14:useLocalDpi xmlns:a14="http://schemas.microsoft.com/office/drawing/2010/main" val="0"/>
+              </a:ext>
+            </a:extLst>
+          </a:blip>
+          <a:srcRect/>
+          <a:stretch>
+            <a:fillRect/>
+          </a:stretch>
+        </p:blipFill>
+        <p:spPr bwMode="auto">
+          <a:xfrm>
+            <a:off x="4381500" y="3295649"/>
+            <a:ext cx="4762500" cy="3562351"/>
+          </a:xfrm>
+          <a:prstGeom prst="rect">
+            <a:avLst/>
+          </a:prstGeom>
+          <a:noFill/>
+          <a:extLst>
+            <a:ext uri="{909E8E84-426E-40DD-AFC4-6F175D3DCCD1}">
+              <a14:hiddenFill xmlns:a14="http://schemas.microsoft.com/office/drawing/2010/main">
+                <a:solidFill>
+                  <a:srgbClr val="FFFFFF"/>
+                </a:solidFill>
+              </a14:hiddenFill>
+            </a:ext>
+          </a:extLst>
+        </p:spPr>
+      </p:pic>
+      <p:pic>
+        <p:nvPicPr>
+          <p:cNvPr id="3078" name="Picture 6" descr="http://farm8.staticflickr.com/7059/6846634420_0139983e69.jpg"/>
+          <p:cNvPicPr>
+            <a:picLocks noChangeAspect="1" noChangeArrowheads="1"/>
+          </p:cNvPicPr>
+          <p:nvPr/>
+        </p:nvPicPr>
+        <p:blipFill>
+          <a:blip r:embed="rId3">
+            <a:extLst>
+              <a:ext uri="{28A0092B-C50C-407E-A947-70E740481C1C}">
+                <a14:useLocalDpi xmlns:a14="http://schemas.microsoft.com/office/drawing/2010/main" val="0"/>
+              </a:ext>
+            </a:extLst>
+          </a:blip>
+          <a:srcRect/>
+          <a:stretch>
+            <a:fillRect/>
+          </a:stretch>
+        </p:blipFill>
+        <p:spPr bwMode="auto">
+          <a:xfrm>
+            <a:off x="0" y="3295649"/>
+            <a:ext cx="4762500" cy="3562351"/>
+          </a:xfrm>
+          <a:prstGeom prst="rect">
+            <a:avLst/>
+          </a:prstGeom>
+          <a:noFill/>
+          <a:extLst>
+            <a:ext uri="{909E8E84-426E-40DD-AFC4-6F175D3DCCD1}">
+              <a14:hiddenFill xmlns:a14="http://schemas.microsoft.com/office/drawing/2010/main">
+                <a:solidFill>
+                  <a:srgbClr val="FFFFFF"/>
+                </a:solidFill>
+              </a14:hiddenFill>
+            </a:ext>
+          </a:extLst>
+        </p:spPr>
+      </p:pic>
       <p:sp>
         <p:nvSpPr>
           <p:cNvPr id="2" name="Title 1"/>
@@ -4055,11 +4559,7 @@
           <a:bodyPr/>
           <a:lstStyle/>
           <a:p>
-            <a:r>
-              <a:rPr lang="en-US" dirty="0" smtClean="0"/>
-              <a:t>Program it!</a:t>
-            </a:r>
-            <a:endParaRPr lang="en-US" dirty="0"/>
+            <a:endParaRPr lang="en-US"/>
           </a:p>
         </p:txBody>
       </p:sp>
@@ -4078,66 +4578,121 @@
           <a:bodyPr/>
           <a:lstStyle/>
           <a:p>
-            <a:r>
-              <a:rPr lang="en-US" dirty="0"/>
-              <a:t>Get processing: </a:t>
-            </a:r>
-            <a:r>
-              <a:rPr lang="en-US" dirty="0">
-                <a:hlinkClick r:id="rId2"/>
-              </a:rPr>
-              <a:t>http://processing.org</a:t>
-            </a:r>
-            <a:r>
-              <a:rPr lang="en-US" dirty="0" smtClean="0">
-                <a:hlinkClick r:id="rId2"/>
-              </a:rPr>
-              <a:t>/</a:t>
-            </a:r>
-            <a:r>
-              <a:rPr lang="en-US" dirty="0" smtClean="0"/>
-              <a:t> </a:t>
-            </a:r>
             <a:endParaRPr lang="en-US" dirty="0"/>
           </a:p>
-          <a:p>
-            <a:r>
-              <a:rPr lang="en-US" dirty="0" smtClean="0"/>
-              <a:t>Get </a:t>
-            </a:r>
-            <a:r>
-              <a:rPr lang="en-US" dirty="0"/>
-              <a:t>my code: </a:t>
-            </a:r>
-            <a:r>
-              <a:rPr lang="en-US" dirty="0">
-                <a:hlinkClick r:id="rId3"/>
-              </a:rPr>
-              <a:t>https://</a:t>
-            </a:r>
-            <a:r>
-              <a:rPr lang="en-US" dirty="0" smtClean="0">
-                <a:hlinkClick r:id="rId3"/>
-              </a:rPr>
-              <a:t>github.com/antfriend/Tele</a:t>
-            </a:r>
-            <a:endParaRPr lang="en-US" dirty="0" smtClean="0"/>
-          </a:p>
-          <a:p>
-            <a:endParaRPr lang="en-US" dirty="0"/>
-          </a:p>
-        </p:txBody>
-      </p:sp>
+        </p:txBody>
+      </p:sp>
+      <p:pic>
+        <p:nvPicPr>
+          <p:cNvPr id="3074" name="Picture 2" descr="http://farm8.staticflickr.com/7061/6846632492_7c1393d881.jpg"/>
+          <p:cNvPicPr>
+            <a:picLocks noChangeAspect="1" noChangeArrowheads="1"/>
+          </p:cNvPicPr>
+          <p:nvPr/>
+        </p:nvPicPr>
+        <p:blipFill>
+          <a:blip r:embed="rId4">
+            <a:extLst>
+              <a:ext uri="{28A0092B-C50C-407E-A947-70E740481C1C}">
+                <a14:useLocalDpi xmlns:a14="http://schemas.microsoft.com/office/drawing/2010/main" val="0"/>
+              </a:ext>
+            </a:extLst>
+          </a:blip>
+          <a:srcRect/>
+          <a:stretch>
+            <a:fillRect/>
+          </a:stretch>
+        </p:blipFill>
+        <p:spPr bwMode="auto">
+          <a:xfrm>
+            <a:off x="0" y="0"/>
+            <a:ext cx="4762500" cy="3562351"/>
+          </a:xfrm>
+          <a:prstGeom prst="rect">
+            <a:avLst/>
+          </a:prstGeom>
+          <a:noFill/>
+          <a:extLst>
+            <a:ext uri="{909E8E84-426E-40DD-AFC4-6F175D3DCCD1}">
+              <a14:hiddenFill xmlns:a14="http://schemas.microsoft.com/office/drawing/2010/main">
+                <a:solidFill>
+                  <a:srgbClr val="FFFFFF"/>
+                </a:solidFill>
+              </a14:hiddenFill>
+            </a:ext>
+          </a:extLst>
+        </p:spPr>
+      </p:pic>
+      <p:pic>
+        <p:nvPicPr>
+          <p:cNvPr id="3076" name="Picture 4" descr="http://farm8.staticflickr.com/7182/6846633172_f5d21a4148.jpg"/>
+          <p:cNvPicPr>
+            <a:picLocks noChangeAspect="1" noChangeArrowheads="1"/>
+          </p:cNvPicPr>
+          <p:nvPr/>
+        </p:nvPicPr>
+        <p:blipFill>
+          <a:blip r:embed="rId5">
+            <a:extLst>
+              <a:ext uri="{28A0092B-C50C-407E-A947-70E740481C1C}">
+                <a14:useLocalDpi xmlns:a14="http://schemas.microsoft.com/office/drawing/2010/main" val="0"/>
+              </a:ext>
+            </a:extLst>
+          </a:blip>
+          <a:srcRect/>
+          <a:stretch>
+            <a:fillRect/>
+          </a:stretch>
+        </p:blipFill>
+        <p:spPr bwMode="auto">
+          <a:xfrm>
+            <a:off x="4411980" y="-1"/>
+            <a:ext cx="4762500" cy="3562351"/>
+          </a:xfrm>
+          <a:prstGeom prst="rect">
+            <a:avLst/>
+          </a:prstGeom>
+          <a:noFill/>
+          <a:extLst>
+            <a:ext uri="{909E8E84-426E-40DD-AFC4-6F175D3DCCD1}">
+              <a14:hiddenFill xmlns:a14="http://schemas.microsoft.com/office/drawing/2010/main">
+                <a:solidFill>
+                  <a:srgbClr val="FFFFFF"/>
+                </a:solidFill>
+              </a14:hiddenFill>
+            </a:ext>
+          </a:extLst>
+        </p:spPr>
+      </p:pic>
     </p:spTree>
     <p:extLst>
       <p:ext uri="{BB962C8B-B14F-4D97-AF65-F5344CB8AC3E}">
-        <p14:creationId xmlns:p14="http://schemas.microsoft.com/office/powerpoint/2010/main" val="558983104"/>
+        <p14:creationId xmlns:p14="http://schemas.microsoft.com/office/powerpoint/2010/main" val="4171598369"/>
       </p:ext>
     </p:extLst>
   </p:cSld>
   <p:clrMapOvr>
     <a:masterClrMapping/>
   </p:clrMapOvr>
+  <mc:AlternateContent xmlns:mc="http://schemas.openxmlformats.org/markup-compatibility/2006">
+    <mc:Choice xmlns:p14="http://schemas.microsoft.com/office/powerpoint/2010/main" Requires="p14">
+      <p:transition spd="slow" p14:dur="800">
+        <p14:flythrough/>
+      </p:transition>
+    </mc:Choice>
+    <mc:Fallback>
+      <p:transition spd="slow">
+        <p:fade/>
+      </p:transition>
+    </mc:Fallback>
+  </mc:AlternateContent>
+  <p:timing>
+    <p:tnLst>
+      <p:par>
+        <p:cTn id="1" dur="indefinite" restart="never" nodeType="tmRoot"/>
+      </p:par>
+    </p:tnLst>
+  </p:timing>
 </p:sld>
 </file>
 
@@ -4175,7 +4730,7 @@
           <a:p>
             <a:r>
               <a:rPr lang="en-US" dirty="0" smtClean="0"/>
-              <a:t>Play!</a:t>
+              <a:t>Just follow the L293D Datasheet</a:t>
             </a:r>
             <a:endParaRPr lang="en-US" dirty="0"/>
           </a:p>
@@ -4191,51 +4746,1174 @@
             <p:ph idx="1"/>
           </p:nvPr>
         </p:nvSpPr>
-        <p:spPr/>
+        <p:spPr>
+          <a:xfrm>
+            <a:off x="457200" y="1600200"/>
+            <a:ext cx="3440430" cy="4525963"/>
+          </a:xfrm>
+        </p:spPr>
         <p:txBody>
           <a:bodyPr/>
           <a:lstStyle/>
           <a:p>
+            <a:pPr marL="0" indent="0">
+              <a:buNone/>
+            </a:pPr>
+            <a:r>
+              <a:rPr lang="en-US" dirty="0">
+                <a:hlinkClick r:id="rId3"/>
+              </a:rPr>
+              <a:t>http://</a:t>
+            </a:r>
+            <a:r>
+              <a:rPr lang="en-US" dirty="0" smtClean="0">
+                <a:hlinkClick r:id="rId3"/>
+              </a:rPr>
+              <a:t>www.datasheetcatalog.org/datasheet/SGSThomsonMicroelectronics/mXyzuxsr.pdf</a:t>
+            </a:r>
+            <a:endParaRPr lang="en-US" dirty="0" smtClean="0"/>
+          </a:p>
+          <a:p>
+            <a:endParaRPr lang="en-US" dirty="0"/>
+          </a:p>
+        </p:txBody>
+      </p:sp>
+      <p:pic>
+        <p:nvPicPr>
+          <p:cNvPr id="5122" name="Picture 2"/>
+          <p:cNvPicPr>
+            <a:picLocks noChangeAspect="1" noChangeArrowheads="1"/>
+          </p:cNvPicPr>
+          <p:nvPr/>
+        </p:nvPicPr>
+        <p:blipFill>
+          <a:blip r:embed="rId4">
+            <a:extLst>
+              <a:ext uri="{28A0092B-C50C-407E-A947-70E740481C1C}">
+                <a14:useLocalDpi xmlns:a14="http://schemas.microsoft.com/office/drawing/2010/main" val="0"/>
+              </a:ext>
+            </a:extLst>
+          </a:blip>
+          <a:srcRect/>
+          <a:stretch>
+            <a:fillRect/>
+          </a:stretch>
+        </p:blipFill>
+        <p:spPr bwMode="auto">
+          <a:xfrm>
+            <a:off x="3897630" y="1143000"/>
+            <a:ext cx="5276850" cy="4895850"/>
+          </a:xfrm>
+          <a:prstGeom prst="rect">
+            <a:avLst/>
+          </a:prstGeom>
+          <a:noFill/>
+          <a:ln>
+            <a:noFill/>
+          </a:ln>
+          <a:effectLst/>
+          <a:extLst>
+            <a:ext uri="{909E8E84-426E-40DD-AFC4-6F175D3DCCD1}">
+              <a14:hiddenFill xmlns:a14="http://schemas.microsoft.com/office/drawing/2010/main">
+                <a:solidFill>
+                  <a:schemeClr val="accent1"/>
+                </a:solidFill>
+              </a14:hiddenFill>
+            </a:ext>
+            <a:ext uri="{91240B29-F687-4F45-9708-019B960494DF}">
+              <a14:hiddenLine xmlns:a14="http://schemas.microsoft.com/office/drawing/2010/main" w="9525">
+                <a:solidFill>
+                  <a:schemeClr val="tx1"/>
+                </a:solidFill>
+                <a:miter lim="800000"/>
+                <a:headEnd/>
+                <a:tailEnd/>
+              </a14:hiddenLine>
+            </a:ext>
+            <a:ext uri="{AF507438-7753-43E0-B8FC-AC1667EBCBE1}">
+              <a14:hiddenEffects xmlns:a14="http://schemas.microsoft.com/office/drawing/2010/main">
+                <a:effectLst>
+                  <a:outerShdw dist="35921" dir="2700000" algn="ctr" rotWithShape="0">
+                    <a:schemeClr val="bg2"/>
+                  </a:outerShdw>
+                </a:effectLst>
+              </a14:hiddenEffects>
+            </a:ext>
+          </a:extLst>
+        </p:spPr>
+      </p:pic>
+      <p:sp>
+        <p:nvSpPr>
+          <p:cNvPr id="4" name="Oval 3"/>
+          <p:cNvSpPr/>
+          <p:nvPr/>
+        </p:nvSpPr>
+        <p:spPr>
+          <a:xfrm>
+            <a:off x="1600200" y="4667250"/>
+            <a:ext cx="1676400" cy="1371600"/>
+          </a:xfrm>
+          <a:prstGeom prst="ellipse">
+            <a:avLst/>
+          </a:prstGeom>
+          <a:ln w="38100"/>
+        </p:spPr>
+        <p:style>
+          <a:lnRef idx="1">
+            <a:schemeClr val="accent5"/>
+          </a:lnRef>
+          <a:fillRef idx="2">
+            <a:schemeClr val="accent5"/>
+          </a:fillRef>
+          <a:effectRef idx="1">
+            <a:schemeClr val="accent5"/>
+          </a:effectRef>
+          <a:fontRef idx="minor">
+            <a:schemeClr val="dk1"/>
+          </a:fontRef>
+        </p:style>
+        <p:txBody>
+          <a:bodyPr rtlCol="0" anchor="ctr"/>
+          <a:lstStyle/>
+          <a:p>
+            <a:pPr algn="ctr"/>
             <a:r>
               <a:rPr lang="en-US" dirty="0" smtClean="0"/>
-              <a:t>Run the server (robot) app</a:t>
-            </a:r>
-          </a:p>
-          <a:p>
-            <a:r>
-              <a:rPr lang="en-US" dirty="0" smtClean="0"/>
-              <a:t>Run the client app</a:t>
-            </a:r>
-          </a:p>
-          <a:p>
-            <a:r>
-              <a:rPr lang="en-US" dirty="0" smtClean="0"/>
-              <a:t>Run Skype or </a:t>
-            </a:r>
-            <a:r>
-              <a:rPr lang="en-US" dirty="0" err="1" smtClean="0"/>
-              <a:t>Lync</a:t>
-            </a:r>
-            <a:endParaRPr lang="en-US" dirty="0" smtClean="0"/>
-          </a:p>
-          <a:p>
+              <a:t>Motor</a:t>
+            </a:r>
             <a:endParaRPr lang="en-US" dirty="0"/>
           </a:p>
-          <a:p>
-            <a:endParaRPr lang="en-US" dirty="0"/>
-          </a:p>
-        </p:txBody>
-      </p:sp>
+        </p:txBody>
+      </p:sp>
+      <p:sp>
+        <p:nvSpPr>
+          <p:cNvPr id="6" name="Freeform 5"/>
+          <p:cNvSpPr/>
+          <p:nvPr/>
+        </p:nvSpPr>
+        <p:spPr>
+          <a:xfrm>
+            <a:off x="2468503" y="2971800"/>
+            <a:ext cx="2880737" cy="1691640"/>
+          </a:xfrm>
+          <a:custGeom>
+            <a:avLst/>
+            <a:gdLst>
+              <a:gd name="connsiteX0" fmla="*/ 2880737 w 2880737"/>
+              <a:gd name="connsiteY0" fmla="*/ 228600 h 2209800"/>
+              <a:gd name="connsiteX1" fmla="*/ 2804537 w 2880737"/>
+              <a:gd name="connsiteY1" fmla="*/ 182880 h 2209800"/>
+              <a:gd name="connsiteX2" fmla="*/ 2697857 w 2880737"/>
+              <a:gd name="connsiteY2" fmla="*/ 152400 h 2209800"/>
+              <a:gd name="connsiteX3" fmla="*/ 2652137 w 2880737"/>
+              <a:gd name="connsiteY3" fmla="*/ 121920 h 2209800"/>
+              <a:gd name="connsiteX4" fmla="*/ 2560697 w 2880737"/>
+              <a:gd name="connsiteY4" fmla="*/ 91440 h 2209800"/>
+              <a:gd name="connsiteX5" fmla="*/ 2454017 w 2880737"/>
+              <a:gd name="connsiteY5" fmla="*/ 60960 h 2209800"/>
+              <a:gd name="connsiteX6" fmla="*/ 2408297 w 2880737"/>
+              <a:gd name="connsiteY6" fmla="*/ 45720 h 2209800"/>
+              <a:gd name="connsiteX7" fmla="*/ 2347337 w 2880737"/>
+              <a:gd name="connsiteY7" fmla="*/ 15240 h 2209800"/>
+              <a:gd name="connsiteX8" fmla="*/ 2240657 w 2880737"/>
+              <a:gd name="connsiteY8" fmla="*/ 0 h 2209800"/>
+              <a:gd name="connsiteX9" fmla="*/ 1981577 w 2880737"/>
+              <a:gd name="connsiteY9" fmla="*/ 45720 h 2209800"/>
+              <a:gd name="connsiteX10" fmla="*/ 1874897 w 2880737"/>
+              <a:gd name="connsiteY10" fmla="*/ 76200 h 2209800"/>
+              <a:gd name="connsiteX11" fmla="*/ 1813937 w 2880737"/>
+              <a:gd name="connsiteY11" fmla="*/ 91440 h 2209800"/>
+              <a:gd name="connsiteX12" fmla="*/ 1798697 w 2880737"/>
+              <a:gd name="connsiteY12" fmla="*/ 137160 h 2209800"/>
+              <a:gd name="connsiteX13" fmla="*/ 1768217 w 2880737"/>
+              <a:gd name="connsiteY13" fmla="*/ 182880 h 2209800"/>
+              <a:gd name="connsiteX14" fmla="*/ 1752977 w 2880737"/>
+              <a:gd name="connsiteY14" fmla="*/ 259080 h 2209800"/>
+              <a:gd name="connsiteX15" fmla="*/ 1737737 w 2880737"/>
+              <a:gd name="connsiteY15" fmla="*/ 320040 h 2209800"/>
+              <a:gd name="connsiteX16" fmla="*/ 1707257 w 2880737"/>
+              <a:gd name="connsiteY16" fmla="*/ 381000 h 2209800"/>
+              <a:gd name="connsiteX17" fmla="*/ 1676777 w 2880737"/>
+              <a:gd name="connsiteY17" fmla="*/ 579120 h 2209800"/>
+              <a:gd name="connsiteX18" fmla="*/ 1661537 w 2880737"/>
+              <a:gd name="connsiteY18" fmla="*/ 624840 h 2209800"/>
+              <a:gd name="connsiteX19" fmla="*/ 1646297 w 2880737"/>
+              <a:gd name="connsiteY19" fmla="*/ 701040 h 2209800"/>
+              <a:gd name="connsiteX20" fmla="*/ 1631057 w 2880737"/>
+              <a:gd name="connsiteY20" fmla="*/ 792480 h 2209800"/>
+              <a:gd name="connsiteX21" fmla="*/ 1600577 w 2880737"/>
+              <a:gd name="connsiteY21" fmla="*/ 853440 h 2209800"/>
+              <a:gd name="connsiteX22" fmla="*/ 1539617 w 2880737"/>
+              <a:gd name="connsiteY22" fmla="*/ 1188720 h 2209800"/>
+              <a:gd name="connsiteX23" fmla="*/ 1524377 w 2880737"/>
+              <a:gd name="connsiteY23" fmla="*/ 1249680 h 2209800"/>
+              <a:gd name="connsiteX24" fmla="*/ 1493897 w 2880737"/>
+              <a:gd name="connsiteY24" fmla="*/ 1295400 h 2209800"/>
+              <a:gd name="connsiteX25" fmla="*/ 1478657 w 2880737"/>
+              <a:gd name="connsiteY25" fmla="*/ 1341120 h 2209800"/>
+              <a:gd name="connsiteX26" fmla="*/ 1326257 w 2880737"/>
+              <a:gd name="connsiteY26" fmla="*/ 1463040 h 2209800"/>
+              <a:gd name="connsiteX27" fmla="*/ 1204337 w 2880737"/>
+              <a:gd name="connsiteY27" fmla="*/ 1524000 h 2209800"/>
+              <a:gd name="connsiteX28" fmla="*/ 1173857 w 2880737"/>
+              <a:gd name="connsiteY28" fmla="*/ 1569720 h 2209800"/>
+              <a:gd name="connsiteX29" fmla="*/ 1112897 w 2880737"/>
+              <a:gd name="connsiteY29" fmla="*/ 1584960 h 2209800"/>
+              <a:gd name="connsiteX30" fmla="*/ 1051937 w 2880737"/>
+              <a:gd name="connsiteY30" fmla="*/ 1676400 h 2209800"/>
+              <a:gd name="connsiteX31" fmla="*/ 1006217 w 2880737"/>
+              <a:gd name="connsiteY31" fmla="*/ 1691640 h 2209800"/>
+              <a:gd name="connsiteX32" fmla="*/ 960497 w 2880737"/>
+              <a:gd name="connsiteY32" fmla="*/ 1722120 h 2209800"/>
+              <a:gd name="connsiteX33" fmla="*/ 899537 w 2880737"/>
+              <a:gd name="connsiteY33" fmla="*/ 1737360 h 2209800"/>
+              <a:gd name="connsiteX34" fmla="*/ 853817 w 2880737"/>
+              <a:gd name="connsiteY34" fmla="*/ 1767840 h 2209800"/>
+              <a:gd name="connsiteX35" fmla="*/ 686177 w 2880737"/>
+              <a:gd name="connsiteY35" fmla="*/ 1798320 h 2209800"/>
+              <a:gd name="connsiteX36" fmla="*/ 350897 w 2880737"/>
+              <a:gd name="connsiteY36" fmla="*/ 1828800 h 2209800"/>
+              <a:gd name="connsiteX37" fmla="*/ 259457 w 2880737"/>
+              <a:gd name="connsiteY37" fmla="*/ 1844040 h 2209800"/>
+              <a:gd name="connsiteX38" fmla="*/ 213737 w 2880737"/>
+              <a:gd name="connsiteY38" fmla="*/ 1874520 h 2209800"/>
+              <a:gd name="connsiteX39" fmla="*/ 152777 w 2880737"/>
+              <a:gd name="connsiteY39" fmla="*/ 1889760 h 2209800"/>
+              <a:gd name="connsiteX40" fmla="*/ 107057 w 2880737"/>
+              <a:gd name="connsiteY40" fmla="*/ 1920240 h 2209800"/>
+              <a:gd name="connsiteX41" fmla="*/ 46097 w 2880737"/>
+              <a:gd name="connsiteY41" fmla="*/ 1950720 h 2209800"/>
+              <a:gd name="connsiteX42" fmla="*/ 15617 w 2880737"/>
+              <a:gd name="connsiteY42" fmla="*/ 2042160 h 2209800"/>
+              <a:gd name="connsiteX43" fmla="*/ 377 w 2880737"/>
+              <a:gd name="connsiteY43" fmla="*/ 2209800 h 2209800"/>
+            </a:gdLst>
+            <a:ahLst/>
+            <a:cxnLst>
+              <a:cxn ang="0">
+                <a:pos x="connsiteX0" y="connsiteY0"/>
+              </a:cxn>
+              <a:cxn ang="0">
+                <a:pos x="connsiteX1" y="connsiteY1"/>
+              </a:cxn>
+              <a:cxn ang="0">
+                <a:pos x="connsiteX2" y="connsiteY2"/>
+              </a:cxn>
+              <a:cxn ang="0">
+                <a:pos x="connsiteX3" y="connsiteY3"/>
+              </a:cxn>
+              <a:cxn ang="0">
+                <a:pos x="connsiteX4" y="connsiteY4"/>
+              </a:cxn>
+              <a:cxn ang="0">
+                <a:pos x="connsiteX5" y="connsiteY5"/>
+              </a:cxn>
+              <a:cxn ang="0">
+                <a:pos x="connsiteX6" y="connsiteY6"/>
+              </a:cxn>
+              <a:cxn ang="0">
+                <a:pos x="connsiteX7" y="connsiteY7"/>
+              </a:cxn>
+              <a:cxn ang="0">
+                <a:pos x="connsiteX8" y="connsiteY8"/>
+              </a:cxn>
+              <a:cxn ang="0">
+                <a:pos x="connsiteX9" y="connsiteY9"/>
+              </a:cxn>
+              <a:cxn ang="0">
+                <a:pos x="connsiteX10" y="connsiteY10"/>
+              </a:cxn>
+              <a:cxn ang="0">
+                <a:pos x="connsiteX11" y="connsiteY11"/>
+              </a:cxn>
+              <a:cxn ang="0">
+                <a:pos x="connsiteX12" y="connsiteY12"/>
+              </a:cxn>
+              <a:cxn ang="0">
+                <a:pos x="connsiteX13" y="connsiteY13"/>
+              </a:cxn>
+              <a:cxn ang="0">
+                <a:pos x="connsiteX14" y="connsiteY14"/>
+              </a:cxn>
+              <a:cxn ang="0">
+                <a:pos x="connsiteX15" y="connsiteY15"/>
+              </a:cxn>
+              <a:cxn ang="0">
+                <a:pos x="connsiteX16" y="connsiteY16"/>
+              </a:cxn>
+              <a:cxn ang="0">
+                <a:pos x="connsiteX17" y="connsiteY17"/>
+              </a:cxn>
+              <a:cxn ang="0">
+                <a:pos x="connsiteX18" y="connsiteY18"/>
+              </a:cxn>
+              <a:cxn ang="0">
+                <a:pos x="connsiteX19" y="connsiteY19"/>
+              </a:cxn>
+              <a:cxn ang="0">
+                <a:pos x="connsiteX20" y="connsiteY20"/>
+              </a:cxn>
+              <a:cxn ang="0">
+                <a:pos x="connsiteX21" y="connsiteY21"/>
+              </a:cxn>
+              <a:cxn ang="0">
+                <a:pos x="connsiteX22" y="connsiteY22"/>
+              </a:cxn>
+              <a:cxn ang="0">
+                <a:pos x="connsiteX23" y="connsiteY23"/>
+              </a:cxn>
+              <a:cxn ang="0">
+                <a:pos x="connsiteX24" y="connsiteY24"/>
+              </a:cxn>
+              <a:cxn ang="0">
+                <a:pos x="connsiteX25" y="connsiteY25"/>
+              </a:cxn>
+              <a:cxn ang="0">
+                <a:pos x="connsiteX26" y="connsiteY26"/>
+              </a:cxn>
+              <a:cxn ang="0">
+                <a:pos x="connsiteX27" y="connsiteY27"/>
+              </a:cxn>
+              <a:cxn ang="0">
+                <a:pos x="connsiteX28" y="connsiteY28"/>
+              </a:cxn>
+              <a:cxn ang="0">
+                <a:pos x="connsiteX29" y="connsiteY29"/>
+              </a:cxn>
+              <a:cxn ang="0">
+                <a:pos x="connsiteX30" y="connsiteY30"/>
+              </a:cxn>
+              <a:cxn ang="0">
+                <a:pos x="connsiteX31" y="connsiteY31"/>
+              </a:cxn>
+              <a:cxn ang="0">
+                <a:pos x="connsiteX32" y="connsiteY32"/>
+              </a:cxn>
+              <a:cxn ang="0">
+                <a:pos x="connsiteX33" y="connsiteY33"/>
+              </a:cxn>
+              <a:cxn ang="0">
+                <a:pos x="connsiteX34" y="connsiteY34"/>
+              </a:cxn>
+              <a:cxn ang="0">
+                <a:pos x="connsiteX35" y="connsiteY35"/>
+              </a:cxn>
+              <a:cxn ang="0">
+                <a:pos x="connsiteX36" y="connsiteY36"/>
+              </a:cxn>
+              <a:cxn ang="0">
+                <a:pos x="connsiteX37" y="connsiteY37"/>
+              </a:cxn>
+              <a:cxn ang="0">
+                <a:pos x="connsiteX38" y="connsiteY38"/>
+              </a:cxn>
+              <a:cxn ang="0">
+                <a:pos x="connsiteX39" y="connsiteY39"/>
+              </a:cxn>
+              <a:cxn ang="0">
+                <a:pos x="connsiteX40" y="connsiteY40"/>
+              </a:cxn>
+              <a:cxn ang="0">
+                <a:pos x="connsiteX41" y="connsiteY41"/>
+              </a:cxn>
+              <a:cxn ang="0">
+                <a:pos x="connsiteX42" y="connsiteY42"/>
+              </a:cxn>
+              <a:cxn ang="0">
+                <a:pos x="connsiteX43" y="connsiteY43"/>
+              </a:cxn>
+            </a:cxnLst>
+            <a:rect l="l" t="t" r="r" b="b"/>
+            <a:pathLst>
+              <a:path w="2880737" h="2209800">
+                <a:moveTo>
+                  <a:pt x="2880737" y="228600"/>
+                </a:moveTo>
+                <a:cubicBezTo>
+                  <a:pt x="2855337" y="213360"/>
+                  <a:pt x="2831031" y="196127"/>
+                  <a:pt x="2804537" y="182880"/>
+                </a:cubicBezTo>
+                <a:cubicBezTo>
+                  <a:pt x="2782673" y="171948"/>
+                  <a:pt x="2717389" y="157283"/>
+                  <a:pt x="2697857" y="152400"/>
+                </a:cubicBezTo>
+                <a:cubicBezTo>
+                  <a:pt x="2682617" y="142240"/>
+                  <a:pt x="2668875" y="129359"/>
+                  <a:pt x="2652137" y="121920"/>
+                </a:cubicBezTo>
+                <a:cubicBezTo>
+                  <a:pt x="2622777" y="108871"/>
+                  <a:pt x="2591177" y="101600"/>
+                  <a:pt x="2560697" y="91440"/>
+                </a:cubicBezTo>
+                <a:cubicBezTo>
+                  <a:pt x="2451076" y="54900"/>
+                  <a:pt x="2587970" y="99232"/>
+                  <a:pt x="2454017" y="60960"/>
+                </a:cubicBezTo>
+                <a:cubicBezTo>
+                  <a:pt x="2438571" y="56547"/>
+                  <a:pt x="2423062" y="52048"/>
+                  <a:pt x="2408297" y="45720"/>
+                </a:cubicBezTo>
+                <a:cubicBezTo>
+                  <a:pt x="2387415" y="36771"/>
+                  <a:pt x="2369255" y="21218"/>
+                  <a:pt x="2347337" y="15240"/>
+                </a:cubicBezTo>
+                <a:cubicBezTo>
+                  <a:pt x="2312682" y="5789"/>
+                  <a:pt x="2276217" y="5080"/>
+                  <a:pt x="2240657" y="0"/>
+                </a:cubicBezTo>
+                <a:cubicBezTo>
+                  <a:pt x="2162781" y="12979"/>
+                  <a:pt x="2063657" y="27480"/>
+                  <a:pt x="1981577" y="45720"/>
+                </a:cubicBezTo>
+                <a:cubicBezTo>
+                  <a:pt x="1874381" y="69541"/>
+                  <a:pt x="1963996" y="50743"/>
+                  <a:pt x="1874897" y="76200"/>
+                </a:cubicBezTo>
+                <a:cubicBezTo>
+                  <a:pt x="1854758" y="81954"/>
+                  <a:pt x="1834257" y="86360"/>
+                  <a:pt x="1813937" y="91440"/>
+                </a:cubicBezTo>
+                <a:cubicBezTo>
+                  <a:pt x="1808857" y="106680"/>
+                  <a:pt x="1805881" y="122792"/>
+                  <a:pt x="1798697" y="137160"/>
+                </a:cubicBezTo>
+                <a:cubicBezTo>
+                  <a:pt x="1790506" y="153543"/>
+                  <a:pt x="1774648" y="165730"/>
+                  <a:pt x="1768217" y="182880"/>
+                </a:cubicBezTo>
+                <a:cubicBezTo>
+                  <a:pt x="1759122" y="207134"/>
+                  <a:pt x="1758596" y="233794"/>
+                  <a:pt x="1752977" y="259080"/>
+                </a:cubicBezTo>
+                <a:cubicBezTo>
+                  <a:pt x="1748433" y="279527"/>
+                  <a:pt x="1745091" y="300428"/>
+                  <a:pt x="1737737" y="320040"/>
+                </a:cubicBezTo>
+                <a:cubicBezTo>
+                  <a:pt x="1729760" y="341312"/>
+                  <a:pt x="1717417" y="360680"/>
+                  <a:pt x="1707257" y="381000"/>
+                </a:cubicBezTo>
+                <a:cubicBezTo>
+                  <a:pt x="1702396" y="415030"/>
+                  <a:pt x="1685235" y="541058"/>
+                  <a:pt x="1676777" y="579120"/>
+                </a:cubicBezTo>
+                <a:cubicBezTo>
+                  <a:pt x="1673292" y="594802"/>
+                  <a:pt x="1665433" y="609255"/>
+                  <a:pt x="1661537" y="624840"/>
+                </a:cubicBezTo>
+                <a:cubicBezTo>
+                  <a:pt x="1655255" y="649970"/>
+                  <a:pt x="1650931" y="675555"/>
+                  <a:pt x="1646297" y="701040"/>
+                </a:cubicBezTo>
+                <a:cubicBezTo>
+                  <a:pt x="1640769" y="731442"/>
+                  <a:pt x="1639936" y="762883"/>
+                  <a:pt x="1631057" y="792480"/>
+                </a:cubicBezTo>
+                <a:cubicBezTo>
+                  <a:pt x="1624529" y="814240"/>
+                  <a:pt x="1610737" y="833120"/>
+                  <a:pt x="1600577" y="853440"/>
+                </a:cubicBezTo>
+                <a:cubicBezTo>
+                  <a:pt x="1586990" y="934964"/>
+                  <a:pt x="1560917" y="1103520"/>
+                  <a:pt x="1539617" y="1188720"/>
+                </a:cubicBezTo>
+                <a:cubicBezTo>
+                  <a:pt x="1534537" y="1209040"/>
+                  <a:pt x="1532628" y="1230428"/>
+                  <a:pt x="1524377" y="1249680"/>
+                </a:cubicBezTo>
+                <a:cubicBezTo>
+                  <a:pt x="1517162" y="1266515"/>
+                  <a:pt x="1502088" y="1279017"/>
+                  <a:pt x="1493897" y="1295400"/>
+                </a:cubicBezTo>
+                <a:cubicBezTo>
+                  <a:pt x="1486713" y="1309768"/>
+                  <a:pt x="1488520" y="1328440"/>
+                  <a:pt x="1478657" y="1341120"/>
+                </a:cubicBezTo>
+                <a:cubicBezTo>
+                  <a:pt x="1398853" y="1443725"/>
+                  <a:pt x="1411172" y="1415865"/>
+                  <a:pt x="1326257" y="1463040"/>
+                </a:cubicBezTo>
+                <a:cubicBezTo>
+                  <a:pt x="1218287" y="1523023"/>
+                  <a:pt x="1287917" y="1496140"/>
+                  <a:pt x="1204337" y="1524000"/>
+                </a:cubicBezTo>
+                <a:cubicBezTo>
+                  <a:pt x="1194177" y="1539240"/>
+                  <a:pt x="1189097" y="1559560"/>
+                  <a:pt x="1173857" y="1569720"/>
+                </a:cubicBezTo>
+                <a:cubicBezTo>
+                  <a:pt x="1156429" y="1581338"/>
+                  <a:pt x="1128660" y="1571167"/>
+                  <a:pt x="1112897" y="1584960"/>
+                </a:cubicBezTo>
+                <a:cubicBezTo>
+                  <a:pt x="1085328" y="1609083"/>
+                  <a:pt x="1086690" y="1664816"/>
+                  <a:pt x="1051937" y="1676400"/>
+                </a:cubicBezTo>
+                <a:cubicBezTo>
+                  <a:pt x="1036697" y="1681480"/>
+                  <a:pt x="1020585" y="1684456"/>
+                  <a:pt x="1006217" y="1691640"/>
+                </a:cubicBezTo>
+                <a:cubicBezTo>
+                  <a:pt x="989834" y="1699831"/>
+                  <a:pt x="977332" y="1714905"/>
+                  <a:pt x="960497" y="1722120"/>
+                </a:cubicBezTo>
+                <a:cubicBezTo>
+                  <a:pt x="941245" y="1730371"/>
+                  <a:pt x="919857" y="1732280"/>
+                  <a:pt x="899537" y="1737360"/>
+                </a:cubicBezTo>
+                <a:cubicBezTo>
+                  <a:pt x="884297" y="1747520"/>
+                  <a:pt x="870967" y="1761409"/>
+                  <a:pt x="853817" y="1767840"/>
+                </a:cubicBezTo>
+                <a:cubicBezTo>
+                  <a:pt x="837276" y="1774043"/>
+                  <a:pt x="695852" y="1796831"/>
+                  <a:pt x="686177" y="1798320"/>
+                </a:cubicBezTo>
+                <a:cubicBezTo>
+                  <a:pt x="526872" y="1822828"/>
+                  <a:pt x="566489" y="1814427"/>
+                  <a:pt x="350897" y="1828800"/>
+                </a:cubicBezTo>
+                <a:cubicBezTo>
+                  <a:pt x="320417" y="1833880"/>
+                  <a:pt x="288772" y="1834268"/>
+                  <a:pt x="259457" y="1844040"/>
+                </a:cubicBezTo>
+                <a:cubicBezTo>
+                  <a:pt x="242081" y="1849832"/>
+                  <a:pt x="230572" y="1867305"/>
+                  <a:pt x="213737" y="1874520"/>
+                </a:cubicBezTo>
+                <a:cubicBezTo>
+                  <a:pt x="194485" y="1882771"/>
+                  <a:pt x="173097" y="1884680"/>
+                  <a:pt x="152777" y="1889760"/>
+                </a:cubicBezTo>
+                <a:cubicBezTo>
+                  <a:pt x="137537" y="1899920"/>
+                  <a:pt x="122960" y="1911153"/>
+                  <a:pt x="107057" y="1920240"/>
+                </a:cubicBezTo>
+                <a:cubicBezTo>
+                  <a:pt x="87332" y="1931512"/>
+                  <a:pt x="59728" y="1932545"/>
+                  <a:pt x="46097" y="1950720"/>
+                </a:cubicBezTo>
+                <a:cubicBezTo>
+                  <a:pt x="26820" y="1976423"/>
+                  <a:pt x="20899" y="2010468"/>
+                  <a:pt x="15617" y="2042160"/>
+                </a:cubicBezTo>
+                <a:cubicBezTo>
+                  <a:pt x="-3799" y="2158654"/>
+                  <a:pt x="377" y="2102700"/>
+                  <a:pt x="377" y="2209800"/>
+                </a:cubicBezTo>
+              </a:path>
+            </a:pathLst>
+          </a:custGeom>
+          <a:noFill/>
+          <a:ln w="38100">
+            <a:solidFill>
+              <a:srgbClr val="FF0000"/>
+            </a:solidFill>
+          </a:ln>
+        </p:spPr>
+        <p:style>
+          <a:lnRef idx="2">
+            <a:schemeClr val="accent1">
+              <a:shade val="50000"/>
+            </a:schemeClr>
+          </a:lnRef>
+          <a:fillRef idx="1">
+            <a:schemeClr val="accent1"/>
+          </a:fillRef>
+          <a:effectRef idx="0">
+            <a:schemeClr val="accent1"/>
+          </a:effectRef>
+          <a:fontRef idx="minor">
+            <a:schemeClr val="lt1"/>
+          </a:fontRef>
+        </p:style>
+        <p:txBody>
+          <a:bodyPr rtlCol="0" anchor="ctr"/>
+          <a:lstStyle/>
+          <a:p>
+            <a:pPr algn="ctr"/>
+            <a:endParaRPr lang="en-US"/>
+          </a:p>
+        </p:txBody>
+      </p:sp>
+      <p:sp>
+        <p:nvSpPr>
+          <p:cNvPr id="7" name="Freeform 6"/>
+          <p:cNvSpPr/>
+          <p:nvPr/>
+        </p:nvSpPr>
+        <p:spPr>
+          <a:xfrm>
+            <a:off x="2375753" y="4724400"/>
+            <a:ext cx="2958247" cy="1720299"/>
+          </a:xfrm>
+          <a:custGeom>
+            <a:avLst/>
+            <a:gdLst>
+              <a:gd name="connsiteX0" fmla="*/ 2958247 w 2958247"/>
+              <a:gd name="connsiteY0" fmla="*/ 0 h 1720299"/>
+              <a:gd name="connsiteX1" fmla="*/ 2882047 w 2958247"/>
+              <a:gd name="connsiteY1" fmla="*/ 30480 h 1720299"/>
+              <a:gd name="connsiteX2" fmla="*/ 2821087 w 2958247"/>
+              <a:gd name="connsiteY2" fmla="*/ 45720 h 1720299"/>
+              <a:gd name="connsiteX3" fmla="*/ 2775367 w 2958247"/>
+              <a:gd name="connsiteY3" fmla="*/ 76200 h 1720299"/>
+              <a:gd name="connsiteX4" fmla="*/ 2714407 w 2958247"/>
+              <a:gd name="connsiteY4" fmla="*/ 91440 h 1720299"/>
+              <a:gd name="connsiteX5" fmla="*/ 2668687 w 2958247"/>
+              <a:gd name="connsiteY5" fmla="*/ 106680 h 1720299"/>
+              <a:gd name="connsiteX6" fmla="*/ 2607727 w 2958247"/>
+              <a:gd name="connsiteY6" fmla="*/ 152400 h 1720299"/>
+              <a:gd name="connsiteX7" fmla="*/ 2501047 w 2958247"/>
+              <a:gd name="connsiteY7" fmla="*/ 182880 h 1720299"/>
+              <a:gd name="connsiteX8" fmla="*/ 1647607 w 2958247"/>
+              <a:gd name="connsiteY8" fmla="*/ 198120 h 1720299"/>
+              <a:gd name="connsiteX9" fmla="*/ 1617127 w 2958247"/>
+              <a:gd name="connsiteY9" fmla="*/ 243840 h 1720299"/>
+              <a:gd name="connsiteX10" fmla="*/ 1571407 w 2958247"/>
+              <a:gd name="connsiteY10" fmla="*/ 274320 h 1720299"/>
+              <a:gd name="connsiteX11" fmla="*/ 1525687 w 2958247"/>
+              <a:gd name="connsiteY11" fmla="*/ 320040 h 1720299"/>
+              <a:gd name="connsiteX12" fmla="*/ 1510447 w 2958247"/>
+              <a:gd name="connsiteY12" fmla="*/ 381000 h 1720299"/>
+              <a:gd name="connsiteX13" fmla="*/ 1449487 w 2958247"/>
+              <a:gd name="connsiteY13" fmla="*/ 487680 h 1720299"/>
+              <a:gd name="connsiteX14" fmla="*/ 1419007 w 2958247"/>
+              <a:gd name="connsiteY14" fmla="*/ 533400 h 1720299"/>
+              <a:gd name="connsiteX15" fmla="*/ 1388527 w 2958247"/>
+              <a:gd name="connsiteY15" fmla="*/ 624840 h 1720299"/>
+              <a:gd name="connsiteX16" fmla="*/ 1358047 w 2958247"/>
+              <a:gd name="connsiteY16" fmla="*/ 685800 h 1720299"/>
+              <a:gd name="connsiteX17" fmla="*/ 1327567 w 2958247"/>
+              <a:gd name="connsiteY17" fmla="*/ 822960 h 1720299"/>
+              <a:gd name="connsiteX18" fmla="*/ 1312327 w 2958247"/>
+              <a:gd name="connsiteY18" fmla="*/ 883920 h 1720299"/>
+              <a:gd name="connsiteX19" fmla="*/ 1281847 w 2958247"/>
+              <a:gd name="connsiteY19" fmla="*/ 944880 h 1720299"/>
+              <a:gd name="connsiteX20" fmla="*/ 1266607 w 2958247"/>
+              <a:gd name="connsiteY20" fmla="*/ 1051560 h 1720299"/>
+              <a:gd name="connsiteX21" fmla="*/ 1129447 w 2958247"/>
+              <a:gd name="connsiteY21" fmla="*/ 1188720 h 1720299"/>
+              <a:gd name="connsiteX22" fmla="*/ 1038007 w 2958247"/>
+              <a:gd name="connsiteY22" fmla="*/ 1249680 h 1720299"/>
+              <a:gd name="connsiteX23" fmla="*/ 977047 w 2958247"/>
+              <a:gd name="connsiteY23" fmla="*/ 1310640 h 1720299"/>
+              <a:gd name="connsiteX24" fmla="*/ 946567 w 2958247"/>
+              <a:gd name="connsiteY24" fmla="*/ 1356360 h 1720299"/>
+              <a:gd name="connsiteX25" fmla="*/ 824647 w 2958247"/>
+              <a:gd name="connsiteY25" fmla="*/ 1463040 h 1720299"/>
+              <a:gd name="connsiteX26" fmla="*/ 778927 w 2958247"/>
+              <a:gd name="connsiteY26" fmla="*/ 1508760 h 1720299"/>
+              <a:gd name="connsiteX27" fmla="*/ 748447 w 2958247"/>
+              <a:gd name="connsiteY27" fmla="*/ 1554480 h 1720299"/>
+              <a:gd name="connsiteX28" fmla="*/ 702727 w 2958247"/>
+              <a:gd name="connsiteY28" fmla="*/ 1569720 h 1720299"/>
+              <a:gd name="connsiteX29" fmla="*/ 611287 w 2958247"/>
+              <a:gd name="connsiteY29" fmla="*/ 1630680 h 1720299"/>
+              <a:gd name="connsiteX30" fmla="*/ 565567 w 2958247"/>
+              <a:gd name="connsiteY30" fmla="*/ 1676400 h 1720299"/>
+              <a:gd name="connsiteX31" fmla="*/ 504607 w 2958247"/>
+              <a:gd name="connsiteY31" fmla="*/ 1691640 h 1720299"/>
+              <a:gd name="connsiteX32" fmla="*/ 458887 w 2958247"/>
+              <a:gd name="connsiteY32" fmla="*/ 1706880 h 1720299"/>
+              <a:gd name="connsiteX33" fmla="*/ 62647 w 2958247"/>
+              <a:gd name="connsiteY33" fmla="*/ 1645920 h 1720299"/>
+              <a:gd name="connsiteX34" fmla="*/ 32167 w 2958247"/>
+              <a:gd name="connsiteY34" fmla="*/ 1600200 h 1720299"/>
+              <a:gd name="connsiteX35" fmla="*/ 16927 w 2958247"/>
+              <a:gd name="connsiteY35" fmla="*/ 1539240 h 1720299"/>
+              <a:gd name="connsiteX36" fmla="*/ 1687 w 2958247"/>
+              <a:gd name="connsiteY36" fmla="*/ 1493520 h 1720299"/>
+              <a:gd name="connsiteX37" fmla="*/ 1687 w 2958247"/>
+              <a:gd name="connsiteY37" fmla="*/ 1356360 h 1720299"/>
+            </a:gdLst>
+            <a:ahLst/>
+            <a:cxnLst>
+              <a:cxn ang="0">
+                <a:pos x="connsiteX0" y="connsiteY0"/>
+              </a:cxn>
+              <a:cxn ang="0">
+                <a:pos x="connsiteX1" y="connsiteY1"/>
+              </a:cxn>
+              <a:cxn ang="0">
+                <a:pos x="connsiteX2" y="connsiteY2"/>
+              </a:cxn>
+              <a:cxn ang="0">
+                <a:pos x="connsiteX3" y="connsiteY3"/>
+              </a:cxn>
+              <a:cxn ang="0">
+                <a:pos x="connsiteX4" y="connsiteY4"/>
+              </a:cxn>
+              <a:cxn ang="0">
+                <a:pos x="connsiteX5" y="connsiteY5"/>
+              </a:cxn>
+              <a:cxn ang="0">
+                <a:pos x="connsiteX6" y="connsiteY6"/>
+              </a:cxn>
+              <a:cxn ang="0">
+                <a:pos x="connsiteX7" y="connsiteY7"/>
+              </a:cxn>
+              <a:cxn ang="0">
+                <a:pos x="connsiteX8" y="connsiteY8"/>
+              </a:cxn>
+              <a:cxn ang="0">
+                <a:pos x="connsiteX9" y="connsiteY9"/>
+              </a:cxn>
+              <a:cxn ang="0">
+                <a:pos x="connsiteX10" y="connsiteY10"/>
+              </a:cxn>
+              <a:cxn ang="0">
+                <a:pos x="connsiteX11" y="connsiteY11"/>
+              </a:cxn>
+              <a:cxn ang="0">
+                <a:pos x="connsiteX12" y="connsiteY12"/>
+              </a:cxn>
+              <a:cxn ang="0">
+                <a:pos x="connsiteX13" y="connsiteY13"/>
+              </a:cxn>
+              <a:cxn ang="0">
+                <a:pos x="connsiteX14" y="connsiteY14"/>
+              </a:cxn>
+              <a:cxn ang="0">
+                <a:pos x="connsiteX15" y="connsiteY15"/>
+              </a:cxn>
+              <a:cxn ang="0">
+                <a:pos x="connsiteX16" y="connsiteY16"/>
+              </a:cxn>
+              <a:cxn ang="0">
+                <a:pos x="connsiteX17" y="connsiteY17"/>
+              </a:cxn>
+              <a:cxn ang="0">
+                <a:pos x="connsiteX18" y="connsiteY18"/>
+              </a:cxn>
+              <a:cxn ang="0">
+                <a:pos x="connsiteX19" y="connsiteY19"/>
+              </a:cxn>
+              <a:cxn ang="0">
+                <a:pos x="connsiteX20" y="connsiteY20"/>
+              </a:cxn>
+              <a:cxn ang="0">
+                <a:pos x="connsiteX21" y="connsiteY21"/>
+              </a:cxn>
+              <a:cxn ang="0">
+                <a:pos x="connsiteX22" y="connsiteY22"/>
+              </a:cxn>
+              <a:cxn ang="0">
+                <a:pos x="connsiteX23" y="connsiteY23"/>
+              </a:cxn>
+              <a:cxn ang="0">
+                <a:pos x="connsiteX24" y="connsiteY24"/>
+              </a:cxn>
+              <a:cxn ang="0">
+                <a:pos x="connsiteX25" y="connsiteY25"/>
+              </a:cxn>
+              <a:cxn ang="0">
+                <a:pos x="connsiteX26" y="connsiteY26"/>
+              </a:cxn>
+              <a:cxn ang="0">
+                <a:pos x="connsiteX27" y="connsiteY27"/>
+              </a:cxn>
+              <a:cxn ang="0">
+                <a:pos x="connsiteX28" y="connsiteY28"/>
+              </a:cxn>
+              <a:cxn ang="0">
+                <a:pos x="connsiteX29" y="connsiteY29"/>
+              </a:cxn>
+              <a:cxn ang="0">
+                <a:pos x="connsiteX30" y="connsiteY30"/>
+              </a:cxn>
+              <a:cxn ang="0">
+                <a:pos x="connsiteX31" y="connsiteY31"/>
+              </a:cxn>
+              <a:cxn ang="0">
+                <a:pos x="connsiteX32" y="connsiteY32"/>
+              </a:cxn>
+              <a:cxn ang="0">
+                <a:pos x="connsiteX33" y="connsiteY33"/>
+              </a:cxn>
+              <a:cxn ang="0">
+                <a:pos x="connsiteX34" y="connsiteY34"/>
+              </a:cxn>
+              <a:cxn ang="0">
+                <a:pos x="connsiteX35" y="connsiteY35"/>
+              </a:cxn>
+              <a:cxn ang="0">
+                <a:pos x="connsiteX36" y="connsiteY36"/>
+              </a:cxn>
+              <a:cxn ang="0">
+                <a:pos x="connsiteX37" y="connsiteY37"/>
+              </a:cxn>
+            </a:cxnLst>
+            <a:rect l="l" t="t" r="r" b="b"/>
+            <a:pathLst>
+              <a:path w="2958247" h="1720299">
+                <a:moveTo>
+                  <a:pt x="2958247" y="0"/>
+                </a:moveTo>
+                <a:cubicBezTo>
+                  <a:pt x="2932847" y="10160"/>
+                  <a:pt x="2908000" y="21829"/>
+                  <a:pt x="2882047" y="30480"/>
+                </a:cubicBezTo>
+                <a:cubicBezTo>
+                  <a:pt x="2862176" y="37104"/>
+                  <a:pt x="2840339" y="37469"/>
+                  <a:pt x="2821087" y="45720"/>
+                </a:cubicBezTo>
+                <a:cubicBezTo>
+                  <a:pt x="2804252" y="52935"/>
+                  <a:pt x="2792202" y="68985"/>
+                  <a:pt x="2775367" y="76200"/>
+                </a:cubicBezTo>
+                <a:cubicBezTo>
+                  <a:pt x="2756115" y="84451"/>
+                  <a:pt x="2734546" y="85686"/>
+                  <a:pt x="2714407" y="91440"/>
+                </a:cubicBezTo>
+                <a:cubicBezTo>
+                  <a:pt x="2698961" y="95853"/>
+                  <a:pt x="2683927" y="101600"/>
+                  <a:pt x="2668687" y="106680"/>
+                </a:cubicBezTo>
+                <a:cubicBezTo>
+                  <a:pt x="2648367" y="121920"/>
+                  <a:pt x="2629780" y="139798"/>
+                  <a:pt x="2607727" y="152400"/>
+                </a:cubicBezTo>
+                <a:cubicBezTo>
+                  <a:pt x="2594798" y="159788"/>
+                  <a:pt x="2508930" y="182617"/>
+                  <a:pt x="2501047" y="182880"/>
+                </a:cubicBezTo>
+                <a:cubicBezTo>
+                  <a:pt x="2216680" y="192359"/>
+                  <a:pt x="1932087" y="193040"/>
+                  <a:pt x="1647607" y="198120"/>
+                </a:cubicBezTo>
+                <a:cubicBezTo>
+                  <a:pt x="1637447" y="213360"/>
+                  <a:pt x="1630079" y="230888"/>
+                  <a:pt x="1617127" y="243840"/>
+                </a:cubicBezTo>
+                <a:cubicBezTo>
+                  <a:pt x="1604175" y="256792"/>
+                  <a:pt x="1585478" y="262594"/>
+                  <a:pt x="1571407" y="274320"/>
+                </a:cubicBezTo>
+                <a:cubicBezTo>
+                  <a:pt x="1554850" y="288118"/>
+                  <a:pt x="1540927" y="304800"/>
+                  <a:pt x="1525687" y="320040"/>
+                </a:cubicBezTo>
+                <a:cubicBezTo>
+                  <a:pt x="1520607" y="340360"/>
+                  <a:pt x="1519114" y="361932"/>
+                  <a:pt x="1510447" y="381000"/>
+                </a:cubicBezTo>
+                <a:cubicBezTo>
+                  <a:pt x="1493499" y="418285"/>
+                  <a:pt x="1470559" y="452560"/>
+                  <a:pt x="1449487" y="487680"/>
+                </a:cubicBezTo>
+                <a:cubicBezTo>
+                  <a:pt x="1440063" y="503386"/>
+                  <a:pt x="1426446" y="516662"/>
+                  <a:pt x="1419007" y="533400"/>
+                </a:cubicBezTo>
+                <a:cubicBezTo>
+                  <a:pt x="1405958" y="562760"/>
+                  <a:pt x="1402895" y="596103"/>
+                  <a:pt x="1388527" y="624840"/>
+                </a:cubicBezTo>
+                <a:cubicBezTo>
+                  <a:pt x="1378367" y="645160"/>
+                  <a:pt x="1366024" y="664528"/>
+                  <a:pt x="1358047" y="685800"/>
+                </a:cubicBezTo>
+                <a:cubicBezTo>
+                  <a:pt x="1347911" y="712831"/>
+                  <a:pt x="1332834" y="799259"/>
+                  <a:pt x="1327567" y="822960"/>
+                </a:cubicBezTo>
+                <a:cubicBezTo>
+                  <a:pt x="1323023" y="843407"/>
+                  <a:pt x="1319681" y="864308"/>
+                  <a:pt x="1312327" y="883920"/>
+                </a:cubicBezTo>
+                <a:cubicBezTo>
+                  <a:pt x="1304350" y="905192"/>
+                  <a:pt x="1292007" y="924560"/>
+                  <a:pt x="1281847" y="944880"/>
+                </a:cubicBezTo>
+                <a:cubicBezTo>
+                  <a:pt x="1276767" y="980440"/>
+                  <a:pt x="1277966" y="1017482"/>
+                  <a:pt x="1266607" y="1051560"/>
+                </a:cubicBezTo>
+                <a:cubicBezTo>
+                  <a:pt x="1229440" y="1163061"/>
+                  <a:pt x="1211648" y="1106519"/>
+                  <a:pt x="1129447" y="1188720"/>
+                </a:cubicBezTo>
+                <a:cubicBezTo>
+                  <a:pt x="1072368" y="1245799"/>
+                  <a:pt x="1104174" y="1227624"/>
+                  <a:pt x="1038007" y="1249680"/>
+                </a:cubicBezTo>
+                <a:cubicBezTo>
+                  <a:pt x="1004756" y="1349433"/>
+                  <a:pt x="1050938" y="1251527"/>
+                  <a:pt x="977047" y="1310640"/>
+                </a:cubicBezTo>
+                <a:cubicBezTo>
+                  <a:pt x="962744" y="1322082"/>
+                  <a:pt x="958293" y="1342289"/>
+                  <a:pt x="946567" y="1356360"/>
+                </a:cubicBezTo>
+                <a:cubicBezTo>
+                  <a:pt x="905911" y="1405147"/>
+                  <a:pt x="875320" y="1418701"/>
+                  <a:pt x="824647" y="1463040"/>
+                </a:cubicBezTo>
+                <a:cubicBezTo>
+                  <a:pt x="808427" y="1477232"/>
+                  <a:pt x="792725" y="1492203"/>
+                  <a:pt x="778927" y="1508760"/>
+                </a:cubicBezTo>
+                <a:cubicBezTo>
+                  <a:pt x="767201" y="1522831"/>
+                  <a:pt x="762750" y="1543038"/>
+                  <a:pt x="748447" y="1554480"/>
+                </a:cubicBezTo>
+                <a:cubicBezTo>
+                  <a:pt x="735903" y="1564515"/>
+                  <a:pt x="717967" y="1564640"/>
+                  <a:pt x="702727" y="1569720"/>
+                </a:cubicBezTo>
+                <a:cubicBezTo>
+                  <a:pt x="556876" y="1715571"/>
+                  <a:pt x="743620" y="1542458"/>
+                  <a:pt x="611287" y="1630680"/>
+                </a:cubicBezTo>
+                <a:cubicBezTo>
+                  <a:pt x="593354" y="1642635"/>
+                  <a:pt x="584280" y="1665707"/>
+                  <a:pt x="565567" y="1676400"/>
+                </a:cubicBezTo>
+                <a:cubicBezTo>
+                  <a:pt x="547381" y="1686792"/>
+                  <a:pt x="524746" y="1685886"/>
+                  <a:pt x="504607" y="1691640"/>
+                </a:cubicBezTo>
+                <a:cubicBezTo>
+                  <a:pt x="489161" y="1696053"/>
+                  <a:pt x="474127" y="1701800"/>
+                  <a:pt x="458887" y="1706880"/>
+                </a:cubicBezTo>
+                <a:cubicBezTo>
+                  <a:pt x="207338" y="1695943"/>
+                  <a:pt x="168856" y="1773371"/>
+                  <a:pt x="62647" y="1645920"/>
+                </a:cubicBezTo>
+                <a:cubicBezTo>
+                  <a:pt x="50921" y="1631849"/>
+                  <a:pt x="42327" y="1615440"/>
+                  <a:pt x="32167" y="1600200"/>
+                </a:cubicBezTo>
+                <a:cubicBezTo>
+                  <a:pt x="27087" y="1579880"/>
+                  <a:pt x="22681" y="1559379"/>
+                  <a:pt x="16927" y="1539240"/>
+                </a:cubicBezTo>
+                <a:cubicBezTo>
+                  <a:pt x="12514" y="1523794"/>
+                  <a:pt x="3021" y="1509529"/>
+                  <a:pt x="1687" y="1493520"/>
+                </a:cubicBezTo>
+                <a:cubicBezTo>
+                  <a:pt x="-2110" y="1447958"/>
+                  <a:pt x="1687" y="1402080"/>
+                  <a:pt x="1687" y="1356360"/>
+                </a:cubicBezTo>
+              </a:path>
+            </a:pathLst>
+          </a:custGeom>
+          <a:noFill/>
+          <a:ln w="38100">
+            <a:solidFill>
+              <a:srgbClr val="FF0000"/>
+            </a:solidFill>
+          </a:ln>
+        </p:spPr>
+        <p:style>
+          <a:lnRef idx="2">
+            <a:schemeClr val="accent1">
+              <a:shade val="50000"/>
+            </a:schemeClr>
+          </a:lnRef>
+          <a:fillRef idx="1">
+            <a:schemeClr val="accent1"/>
+          </a:fillRef>
+          <a:effectRef idx="0">
+            <a:schemeClr val="accent1"/>
+          </a:effectRef>
+          <a:fontRef idx="minor">
+            <a:schemeClr val="lt1"/>
+          </a:fontRef>
+        </p:style>
+        <p:txBody>
+          <a:bodyPr rtlCol="0" anchor="ctr"/>
+          <a:lstStyle/>
+          <a:p>
+            <a:pPr algn="ctr"/>
+            <a:endParaRPr lang="en-US"/>
+          </a:p>
+        </p:txBody>
+      </p:sp>
+      <p:cxnSp>
+        <p:nvCxnSpPr>
+          <p:cNvPr id="9" name="Straight Arrow Connector 8"/>
+          <p:cNvCxnSpPr/>
+          <p:nvPr/>
+        </p:nvCxnSpPr>
+        <p:spPr>
+          <a:xfrm flipH="1">
+            <a:off x="5486400" y="2362200"/>
+            <a:ext cx="762000" cy="228600"/>
+          </a:xfrm>
+          <a:prstGeom prst="straightConnector1">
+            <a:avLst/>
+          </a:prstGeom>
+          <a:ln w="38100">
+            <a:solidFill>
+              <a:srgbClr val="92D050"/>
+            </a:solidFill>
+            <a:tailEnd type="arrow"/>
+          </a:ln>
+        </p:spPr>
+        <p:style>
+          <a:lnRef idx="1">
+            <a:schemeClr val="accent1"/>
+          </a:lnRef>
+          <a:fillRef idx="0">
+            <a:schemeClr val="accent1"/>
+          </a:fillRef>
+          <a:effectRef idx="0">
+            <a:schemeClr val="accent1"/>
+          </a:effectRef>
+          <a:fontRef idx="minor">
+            <a:schemeClr val="tx1"/>
+          </a:fontRef>
+        </p:style>
+      </p:cxnSp>
+      <p:cxnSp>
+        <p:nvCxnSpPr>
+          <p:cNvPr id="11" name="Straight Arrow Connector 10"/>
+          <p:cNvCxnSpPr/>
+          <p:nvPr/>
+        </p:nvCxnSpPr>
+        <p:spPr>
+          <a:xfrm flipH="1">
+            <a:off x="5486400" y="4648200"/>
+            <a:ext cx="1049656" cy="381000"/>
+          </a:xfrm>
+          <a:prstGeom prst="straightConnector1">
+            <a:avLst/>
+          </a:prstGeom>
+          <a:ln w="38100">
+            <a:solidFill>
+              <a:srgbClr val="92D050"/>
+            </a:solidFill>
+            <a:tailEnd type="arrow"/>
+          </a:ln>
+        </p:spPr>
+        <p:style>
+          <a:lnRef idx="1">
+            <a:schemeClr val="accent1"/>
+          </a:lnRef>
+          <a:fillRef idx="0">
+            <a:schemeClr val="accent1"/>
+          </a:fillRef>
+          <a:effectRef idx="0">
+            <a:schemeClr val="accent1"/>
+          </a:effectRef>
+          <a:fontRef idx="minor">
+            <a:schemeClr val="tx1"/>
+          </a:fontRef>
+        </p:style>
+      </p:cxnSp>
     </p:spTree>
     <p:extLst>
       <p:ext uri="{BB962C8B-B14F-4D97-AF65-F5344CB8AC3E}">
-        <p14:creationId xmlns:p14="http://schemas.microsoft.com/office/powerpoint/2010/main" val="3781336626"/>
+        <p14:creationId xmlns:p14="http://schemas.microsoft.com/office/powerpoint/2010/main" val="634403944"/>
       </p:ext>
     </p:extLst>
   </p:cSld>
   <p:clrMapOvr>
     <a:masterClrMapping/>
   </p:clrMapOvr>
+  <mc:AlternateContent xmlns:mc="http://schemas.openxmlformats.org/markup-compatibility/2006">
+    <mc:Choice xmlns:p14="http://schemas.microsoft.com/office/powerpoint/2010/main" Requires="p14">
+      <p:transition spd="slow" p14:dur="800">
+        <p14:flythrough/>
+      </p:transition>
+    </mc:Choice>
+    <mc:Fallback>
+      <p:transition spd="slow">
+        <p:fade/>
+      </p:transition>
+    </mc:Fallback>
+  </mc:AlternateContent>
+  <p:timing>
+    <p:tnLst>
+      <p:par>
+        <p:cTn id="1" dur="indefinite" restart="never" nodeType="tmRoot"/>
+      </p:par>
+    </p:tnLst>
+  </p:timing>
 </p:sld>
 </file>
 
@@ -4273,7 +5951,7 @@
           <a:p>
             <a:r>
               <a:rPr lang="en-US" dirty="0" smtClean="0"/>
-              <a:t>Autonomy</a:t>
+              <a:t>Hook it all up</a:t>
             </a:r>
             <a:endParaRPr lang="en-US" dirty="0"/>
           </a:p>
@@ -4294,37 +5972,1241 @@
           <a:bodyPr/>
           <a:lstStyle/>
           <a:p>
+            <a:endParaRPr lang="en-US"/>
+          </a:p>
+        </p:txBody>
+      </p:sp>
+      <p:pic>
+        <p:nvPicPr>
+          <p:cNvPr id="4" name="Picture 2" descr="http://farm8.staticflickr.com/7053/6846637028_5c38112b6b.jpg"/>
+          <p:cNvPicPr>
+            <a:picLocks noChangeAspect="1" noChangeArrowheads="1"/>
+          </p:cNvPicPr>
+          <p:nvPr/>
+        </p:nvPicPr>
+        <p:blipFill>
+          <a:blip r:embed="rId2">
+            <a:extLst>
+              <a:ext uri="{28A0092B-C50C-407E-A947-70E740481C1C}">
+                <a14:useLocalDpi xmlns:a14="http://schemas.microsoft.com/office/drawing/2010/main" val="0"/>
+              </a:ext>
+            </a:extLst>
+          </a:blip>
+          <a:srcRect/>
+          <a:stretch>
+            <a:fillRect/>
+          </a:stretch>
+        </p:blipFill>
+        <p:spPr bwMode="auto">
+          <a:xfrm>
+            <a:off x="2095500" y="2152649"/>
+            <a:ext cx="4762500" cy="3562351"/>
+          </a:xfrm>
+          <a:prstGeom prst="rect">
+            <a:avLst/>
+          </a:prstGeom>
+          <a:noFill/>
+          <a:extLst>
+            <a:ext uri="{909E8E84-426E-40DD-AFC4-6F175D3DCCD1}">
+              <a14:hiddenFill xmlns:a14="http://schemas.microsoft.com/office/drawing/2010/main">
+                <a:solidFill>
+                  <a:srgbClr val="FFFFFF"/>
+                </a:solidFill>
+              </a14:hiddenFill>
+            </a:ext>
+          </a:extLst>
+        </p:spPr>
+      </p:pic>
+      <p:sp>
+        <p:nvSpPr>
+          <p:cNvPr id="7" name="Down Arrow 6"/>
+          <p:cNvSpPr/>
+          <p:nvPr/>
+        </p:nvSpPr>
+        <p:spPr>
+          <a:xfrm rot="15513231">
+            <a:off x="1956658" y="2943926"/>
+            <a:ext cx="1409700" cy="3124200"/>
+          </a:xfrm>
+          <a:prstGeom prst="downArrow">
+            <a:avLst/>
+          </a:prstGeom>
+        </p:spPr>
+        <p:style>
+          <a:lnRef idx="1">
+            <a:schemeClr val="accent3"/>
+          </a:lnRef>
+          <a:fillRef idx="2">
+            <a:schemeClr val="accent3"/>
+          </a:fillRef>
+          <a:effectRef idx="1">
+            <a:schemeClr val="accent3"/>
+          </a:effectRef>
+          <a:fontRef idx="minor">
+            <a:schemeClr val="dk1"/>
+          </a:fontRef>
+        </p:style>
+        <p:txBody>
+          <a:bodyPr vert="vert" rtlCol="0" anchor="ctr"/>
+          <a:lstStyle/>
+          <a:p>
+            <a:pPr algn="ctr"/>
             <a:r>
               <a:rPr lang="en-US" dirty="0" smtClean="0"/>
-              <a:t>Use your laptop as a robotics platform</a:t>
-            </a:r>
-          </a:p>
-          <a:p>
-            <a:r>
-              <a:rPr lang="en-US">
+              <a:t>Motor</a:t>
+            </a:r>
+            <a:endParaRPr lang="en-US" dirty="0"/>
+          </a:p>
+        </p:txBody>
+      </p:sp>
+      <p:sp>
+        <p:nvSpPr>
+          <p:cNvPr id="9" name="Down Arrow 8"/>
+          <p:cNvSpPr/>
+          <p:nvPr/>
+        </p:nvSpPr>
+        <p:spPr>
+          <a:xfrm rot="16999153">
+            <a:off x="2089437" y="1123951"/>
+            <a:ext cx="1409700" cy="3124200"/>
+          </a:xfrm>
+          <a:prstGeom prst="downArrow">
+            <a:avLst/>
+          </a:prstGeom>
+        </p:spPr>
+        <p:style>
+          <a:lnRef idx="1">
+            <a:schemeClr val="accent3"/>
+          </a:lnRef>
+          <a:fillRef idx="2">
+            <a:schemeClr val="accent3"/>
+          </a:fillRef>
+          <a:effectRef idx="1">
+            <a:schemeClr val="accent3"/>
+          </a:effectRef>
+          <a:fontRef idx="minor">
+            <a:schemeClr val="dk1"/>
+          </a:fontRef>
+        </p:style>
+        <p:txBody>
+          <a:bodyPr vert="vert" rtlCol="0" anchor="ctr"/>
+          <a:lstStyle/>
+          <a:p>
+            <a:pPr algn="ctr"/>
+            <a:r>
+              <a:rPr lang="en-US" dirty="0" smtClean="0"/>
+              <a:t>Power</a:t>
+            </a:r>
+            <a:endParaRPr lang="en-US" dirty="0"/>
+          </a:p>
+        </p:txBody>
+      </p:sp>
+      <p:sp>
+        <p:nvSpPr>
+          <p:cNvPr id="10" name="Down Arrow 9"/>
+          <p:cNvSpPr/>
+          <p:nvPr/>
+        </p:nvSpPr>
+        <p:spPr>
+          <a:xfrm rot="7518170">
+            <a:off x="5625526" y="3589331"/>
+            <a:ext cx="1409700" cy="3124200"/>
+          </a:xfrm>
+          <a:prstGeom prst="downArrow">
+            <a:avLst/>
+          </a:prstGeom>
+        </p:spPr>
+        <p:style>
+          <a:lnRef idx="1">
+            <a:schemeClr val="accent3"/>
+          </a:lnRef>
+          <a:fillRef idx="2">
+            <a:schemeClr val="accent3"/>
+          </a:fillRef>
+          <a:effectRef idx="1">
+            <a:schemeClr val="accent3"/>
+          </a:effectRef>
+          <a:fontRef idx="minor">
+            <a:schemeClr val="dk1"/>
+          </a:fontRef>
+        </p:style>
+        <p:txBody>
+          <a:bodyPr vert="vert270" rtlCol="0" anchor="ctr"/>
+          <a:lstStyle/>
+          <a:p>
+            <a:pPr algn="ctr"/>
+            <a:r>
+              <a:rPr lang="en-US" dirty="0" smtClean="0"/>
+              <a:t>Motor</a:t>
+            </a:r>
+            <a:endParaRPr lang="en-US" dirty="0"/>
+          </a:p>
+        </p:txBody>
+      </p:sp>
+    </p:spTree>
+    <p:extLst>
+      <p:ext uri="{BB962C8B-B14F-4D97-AF65-F5344CB8AC3E}">
+        <p14:creationId xmlns:p14="http://schemas.microsoft.com/office/powerpoint/2010/main" val="876382528"/>
+      </p:ext>
+    </p:extLst>
+  </p:cSld>
+  <p:clrMapOvr>
+    <a:masterClrMapping/>
+  </p:clrMapOvr>
+  <mc:AlternateContent xmlns:mc="http://schemas.openxmlformats.org/markup-compatibility/2006">
+    <mc:Choice xmlns:p14="http://schemas.microsoft.com/office/powerpoint/2010/main" Requires="p14">
+      <p:transition spd="slow" p14:dur="800">
+        <p14:flythrough/>
+      </p:transition>
+    </mc:Choice>
+    <mc:Fallback>
+      <p:transition spd="slow">
+        <p:fade/>
+      </p:transition>
+    </mc:Fallback>
+  </mc:AlternateContent>
+  <p:timing>
+    <p:tnLst>
+      <p:par>
+        <p:cTn id="1" dur="indefinite" restart="never" nodeType="tmRoot">
+          <p:childTnLst>
+            <p:seq concurrent="1" nextAc="seek">
+              <p:cTn id="2" dur="indefinite" nodeType="mainSeq">
+                <p:childTnLst>
+                  <p:par>
+                    <p:cTn id="3" fill="hold">
+                      <p:stCondLst>
+                        <p:cond delay="indefinite"/>
+                        <p:cond evt="onBegin" delay="0">
+                          <p:tn val="2"/>
+                        </p:cond>
+                      </p:stCondLst>
+                      <p:childTnLst>
+                        <p:par>
+                          <p:cTn id="4" fill="hold">
+                            <p:stCondLst>
+                              <p:cond delay="0"/>
+                            </p:stCondLst>
+                            <p:childTnLst>
+                              <p:par>
+                                <p:cTn id="5" presetID="26" presetClass="entr" presetSubtype="0" fill="hold" grpId="0" nodeType="afterEffect">
+                                  <p:stCondLst>
+                                    <p:cond delay="0"/>
+                                  </p:stCondLst>
+                                  <p:childTnLst>
+                                    <p:set>
+                                      <p:cBhvr>
+                                        <p:cTn id="6" dur="1" fill="hold">
+                                          <p:stCondLst>
+                                            <p:cond delay="0"/>
+                                          </p:stCondLst>
+                                        </p:cTn>
+                                        <p:tgtEl>
+                                          <p:spTgt spid="9"/>
+                                        </p:tgtEl>
+                                        <p:attrNameLst>
+                                          <p:attrName>style.visibility</p:attrName>
+                                        </p:attrNameLst>
+                                      </p:cBhvr>
+                                      <p:to>
+                                        <p:strVal val="visible"/>
+                                      </p:to>
+                                    </p:set>
+                                    <p:animEffect transition="in" filter="wipe(down)">
+                                      <p:cBhvr>
+                                        <p:cTn id="7" dur="580">
+                                          <p:stCondLst>
+                                            <p:cond delay="0"/>
+                                          </p:stCondLst>
+                                        </p:cTn>
+                                        <p:tgtEl>
+                                          <p:spTgt spid="9"/>
+                                        </p:tgtEl>
+                                      </p:cBhvr>
+                                    </p:animEffect>
+                                    <p:anim calcmode="lin" valueType="num">
+                                      <p:cBhvr>
+                                        <p:cTn id="8" dur="1822" tmFilter="0,0; 0.14,0.36; 0.43,0.73; 0.71,0.91; 1.0,1.0">
+                                          <p:stCondLst>
+                                            <p:cond delay="0"/>
+                                          </p:stCondLst>
+                                        </p:cTn>
+                                        <p:tgtEl>
+                                          <p:spTgt spid="9"/>
+                                        </p:tgtEl>
+                                        <p:attrNameLst>
+                                          <p:attrName>ppt_x</p:attrName>
+                                        </p:attrNameLst>
+                                      </p:cBhvr>
+                                      <p:tavLst>
+                                        <p:tav tm="0">
+                                          <p:val>
+                                            <p:strVal val="#ppt_x-0.25"/>
+                                          </p:val>
+                                        </p:tav>
+                                        <p:tav tm="100000">
+                                          <p:val>
+                                            <p:strVal val="#ppt_x"/>
+                                          </p:val>
+                                        </p:tav>
+                                      </p:tavLst>
+                                    </p:anim>
+                                    <p:anim calcmode="lin" valueType="num">
+                                      <p:cBhvr>
+                                        <p:cTn id="9" dur="664" tmFilter="0.0,0.0; 0.25,0.07; 0.50,0.2; 0.75,0.467; 1.0,1.0">
+                                          <p:stCondLst>
+                                            <p:cond delay="0"/>
+                                          </p:stCondLst>
+                                        </p:cTn>
+                                        <p:tgtEl>
+                                          <p:spTgt spid="9"/>
+                                        </p:tgtEl>
+                                        <p:attrNameLst>
+                                          <p:attrName>ppt_y</p:attrName>
+                                        </p:attrNameLst>
+                                      </p:cBhvr>
+                                      <p:tavLst>
+                                        <p:tav tm="0" fmla="#ppt_y-sin(pi*$)/3">
+                                          <p:val>
+                                            <p:fltVal val="0.5"/>
+                                          </p:val>
+                                        </p:tav>
+                                        <p:tav tm="100000">
+                                          <p:val>
+                                            <p:fltVal val="1"/>
+                                          </p:val>
+                                        </p:tav>
+                                      </p:tavLst>
+                                    </p:anim>
+                                    <p:anim calcmode="lin" valueType="num">
+                                      <p:cBhvr>
+                                        <p:cTn id="10" dur="664" tmFilter="0, 0; 0.125,0.2665; 0.25,0.4; 0.375,0.465; 0.5,0.5;  0.625,0.535; 0.75,0.6; 0.875,0.7335; 1,1">
+                                          <p:stCondLst>
+                                            <p:cond delay="664"/>
+                                          </p:stCondLst>
+                                        </p:cTn>
+                                        <p:tgtEl>
+                                          <p:spTgt spid="9"/>
+                                        </p:tgtEl>
+                                        <p:attrNameLst>
+                                          <p:attrName>ppt_y</p:attrName>
+                                        </p:attrNameLst>
+                                      </p:cBhvr>
+                                      <p:tavLst>
+                                        <p:tav tm="0" fmla="#ppt_y-sin(pi*$)/9">
+                                          <p:val>
+                                            <p:fltVal val="0"/>
+                                          </p:val>
+                                        </p:tav>
+                                        <p:tav tm="100000">
+                                          <p:val>
+                                            <p:fltVal val="1"/>
+                                          </p:val>
+                                        </p:tav>
+                                      </p:tavLst>
+                                    </p:anim>
+                                    <p:anim calcmode="lin" valueType="num">
+                                      <p:cBhvr>
+                                        <p:cTn id="11" dur="332" tmFilter="0, 0; 0.125,0.2665; 0.25,0.4; 0.375,0.465; 0.5,0.5;  0.625,0.535; 0.75,0.6; 0.875,0.7335; 1,1">
+                                          <p:stCondLst>
+                                            <p:cond delay="1324"/>
+                                          </p:stCondLst>
+                                        </p:cTn>
+                                        <p:tgtEl>
+                                          <p:spTgt spid="9"/>
+                                        </p:tgtEl>
+                                        <p:attrNameLst>
+                                          <p:attrName>ppt_y</p:attrName>
+                                        </p:attrNameLst>
+                                      </p:cBhvr>
+                                      <p:tavLst>
+                                        <p:tav tm="0" fmla="#ppt_y-sin(pi*$)/27">
+                                          <p:val>
+                                            <p:fltVal val="0"/>
+                                          </p:val>
+                                        </p:tav>
+                                        <p:tav tm="100000">
+                                          <p:val>
+                                            <p:fltVal val="1"/>
+                                          </p:val>
+                                        </p:tav>
+                                      </p:tavLst>
+                                    </p:anim>
+                                    <p:anim calcmode="lin" valueType="num">
+                                      <p:cBhvr>
+                                        <p:cTn id="12" dur="164" tmFilter="0, 0; 0.125,0.2665; 0.25,0.4; 0.375,0.465; 0.5,0.5;  0.625,0.535; 0.75,0.6; 0.875,0.7335; 1,1">
+                                          <p:stCondLst>
+                                            <p:cond delay="1656"/>
+                                          </p:stCondLst>
+                                        </p:cTn>
+                                        <p:tgtEl>
+                                          <p:spTgt spid="9"/>
+                                        </p:tgtEl>
+                                        <p:attrNameLst>
+                                          <p:attrName>ppt_y</p:attrName>
+                                        </p:attrNameLst>
+                                      </p:cBhvr>
+                                      <p:tavLst>
+                                        <p:tav tm="0" fmla="#ppt_y-sin(pi*$)/81">
+                                          <p:val>
+                                            <p:fltVal val="0"/>
+                                          </p:val>
+                                        </p:tav>
+                                        <p:tav tm="100000">
+                                          <p:val>
+                                            <p:fltVal val="1"/>
+                                          </p:val>
+                                        </p:tav>
+                                      </p:tavLst>
+                                    </p:anim>
+                                    <p:animScale>
+                                      <p:cBhvr>
+                                        <p:cTn id="13" dur="26">
+                                          <p:stCondLst>
+                                            <p:cond delay="650"/>
+                                          </p:stCondLst>
+                                        </p:cTn>
+                                        <p:tgtEl>
+                                          <p:spTgt spid="9"/>
+                                        </p:tgtEl>
+                                      </p:cBhvr>
+                                      <p:to x="100000" y="60000"/>
+                                    </p:animScale>
+                                    <p:animScale>
+                                      <p:cBhvr>
+                                        <p:cTn id="14" dur="166" decel="50000">
+                                          <p:stCondLst>
+                                            <p:cond delay="676"/>
+                                          </p:stCondLst>
+                                        </p:cTn>
+                                        <p:tgtEl>
+                                          <p:spTgt spid="9"/>
+                                        </p:tgtEl>
+                                      </p:cBhvr>
+                                      <p:to x="100000" y="100000"/>
+                                    </p:animScale>
+                                    <p:animScale>
+                                      <p:cBhvr>
+                                        <p:cTn id="15" dur="26">
+                                          <p:stCondLst>
+                                            <p:cond delay="1312"/>
+                                          </p:stCondLst>
+                                        </p:cTn>
+                                        <p:tgtEl>
+                                          <p:spTgt spid="9"/>
+                                        </p:tgtEl>
+                                      </p:cBhvr>
+                                      <p:to x="100000" y="80000"/>
+                                    </p:animScale>
+                                    <p:animScale>
+                                      <p:cBhvr>
+                                        <p:cTn id="16" dur="166" decel="50000">
+                                          <p:stCondLst>
+                                            <p:cond delay="1338"/>
+                                          </p:stCondLst>
+                                        </p:cTn>
+                                        <p:tgtEl>
+                                          <p:spTgt spid="9"/>
+                                        </p:tgtEl>
+                                      </p:cBhvr>
+                                      <p:to x="100000" y="100000"/>
+                                    </p:animScale>
+                                    <p:animScale>
+                                      <p:cBhvr>
+                                        <p:cTn id="17" dur="26">
+                                          <p:stCondLst>
+                                            <p:cond delay="1642"/>
+                                          </p:stCondLst>
+                                        </p:cTn>
+                                        <p:tgtEl>
+                                          <p:spTgt spid="9"/>
+                                        </p:tgtEl>
+                                      </p:cBhvr>
+                                      <p:to x="100000" y="90000"/>
+                                    </p:animScale>
+                                    <p:animScale>
+                                      <p:cBhvr>
+                                        <p:cTn id="18" dur="166" decel="50000">
+                                          <p:stCondLst>
+                                            <p:cond delay="1668"/>
+                                          </p:stCondLst>
+                                        </p:cTn>
+                                        <p:tgtEl>
+                                          <p:spTgt spid="9"/>
+                                        </p:tgtEl>
+                                      </p:cBhvr>
+                                      <p:to x="100000" y="100000"/>
+                                    </p:animScale>
+                                    <p:animScale>
+                                      <p:cBhvr>
+                                        <p:cTn id="19" dur="26">
+                                          <p:stCondLst>
+                                            <p:cond delay="1808"/>
+                                          </p:stCondLst>
+                                        </p:cTn>
+                                        <p:tgtEl>
+                                          <p:spTgt spid="9"/>
+                                        </p:tgtEl>
+                                      </p:cBhvr>
+                                      <p:to x="100000" y="95000"/>
+                                    </p:animScale>
+                                    <p:animScale>
+                                      <p:cBhvr>
+                                        <p:cTn id="20" dur="166" decel="50000">
+                                          <p:stCondLst>
+                                            <p:cond delay="1834"/>
+                                          </p:stCondLst>
+                                        </p:cTn>
+                                        <p:tgtEl>
+                                          <p:spTgt spid="9"/>
+                                        </p:tgtEl>
+                                      </p:cBhvr>
+                                      <p:to x="100000" y="100000"/>
+                                    </p:animScale>
+                                  </p:childTnLst>
+                                </p:cTn>
+                              </p:par>
+                            </p:childTnLst>
+                          </p:cTn>
+                        </p:par>
+                        <p:par>
+                          <p:cTn id="21" fill="hold">
+                            <p:stCondLst>
+                              <p:cond delay="2000"/>
+                            </p:stCondLst>
+                            <p:childTnLst>
+                              <p:par>
+                                <p:cTn id="22" presetID="31" presetClass="entr" presetSubtype="0" fill="hold" grpId="0" nodeType="afterEffect">
+                                  <p:stCondLst>
+                                    <p:cond delay="0"/>
+                                  </p:stCondLst>
+                                  <p:childTnLst>
+                                    <p:set>
+                                      <p:cBhvr>
+                                        <p:cTn id="23" dur="1" fill="hold">
+                                          <p:stCondLst>
+                                            <p:cond delay="0"/>
+                                          </p:stCondLst>
+                                        </p:cTn>
+                                        <p:tgtEl>
+                                          <p:spTgt spid="7"/>
+                                        </p:tgtEl>
+                                        <p:attrNameLst>
+                                          <p:attrName>style.visibility</p:attrName>
+                                        </p:attrNameLst>
+                                      </p:cBhvr>
+                                      <p:to>
+                                        <p:strVal val="visible"/>
+                                      </p:to>
+                                    </p:set>
+                                    <p:anim calcmode="lin" valueType="num">
+                                      <p:cBhvr>
+                                        <p:cTn id="24" dur="1000" fill="hold"/>
+                                        <p:tgtEl>
+                                          <p:spTgt spid="7"/>
+                                        </p:tgtEl>
+                                        <p:attrNameLst>
+                                          <p:attrName>ppt_w</p:attrName>
+                                        </p:attrNameLst>
+                                      </p:cBhvr>
+                                      <p:tavLst>
+                                        <p:tav tm="0">
+                                          <p:val>
+                                            <p:fltVal val="0"/>
+                                          </p:val>
+                                        </p:tav>
+                                        <p:tav tm="100000">
+                                          <p:val>
+                                            <p:strVal val="#ppt_w"/>
+                                          </p:val>
+                                        </p:tav>
+                                      </p:tavLst>
+                                    </p:anim>
+                                    <p:anim calcmode="lin" valueType="num">
+                                      <p:cBhvr>
+                                        <p:cTn id="25" dur="1000" fill="hold"/>
+                                        <p:tgtEl>
+                                          <p:spTgt spid="7"/>
+                                        </p:tgtEl>
+                                        <p:attrNameLst>
+                                          <p:attrName>ppt_h</p:attrName>
+                                        </p:attrNameLst>
+                                      </p:cBhvr>
+                                      <p:tavLst>
+                                        <p:tav tm="0">
+                                          <p:val>
+                                            <p:fltVal val="0"/>
+                                          </p:val>
+                                        </p:tav>
+                                        <p:tav tm="100000">
+                                          <p:val>
+                                            <p:strVal val="#ppt_h"/>
+                                          </p:val>
+                                        </p:tav>
+                                      </p:tavLst>
+                                    </p:anim>
+                                    <p:anim calcmode="lin" valueType="num">
+                                      <p:cBhvr>
+                                        <p:cTn id="26" dur="1000" fill="hold"/>
+                                        <p:tgtEl>
+                                          <p:spTgt spid="7"/>
+                                        </p:tgtEl>
+                                        <p:attrNameLst>
+                                          <p:attrName>style.rotation</p:attrName>
+                                        </p:attrNameLst>
+                                      </p:cBhvr>
+                                      <p:tavLst>
+                                        <p:tav tm="0">
+                                          <p:val>
+                                            <p:fltVal val="90"/>
+                                          </p:val>
+                                        </p:tav>
+                                        <p:tav tm="100000">
+                                          <p:val>
+                                            <p:fltVal val="0"/>
+                                          </p:val>
+                                        </p:tav>
+                                      </p:tavLst>
+                                    </p:anim>
+                                    <p:animEffect transition="in" filter="fade">
+                                      <p:cBhvr>
+                                        <p:cTn id="27" dur="1000"/>
+                                        <p:tgtEl>
+                                          <p:spTgt spid="7"/>
+                                        </p:tgtEl>
+                                      </p:cBhvr>
+                                    </p:animEffect>
+                                  </p:childTnLst>
+                                </p:cTn>
+                              </p:par>
+                            </p:childTnLst>
+                          </p:cTn>
+                        </p:par>
+                        <p:par>
+                          <p:cTn id="28" fill="hold">
+                            <p:stCondLst>
+                              <p:cond delay="3000"/>
+                            </p:stCondLst>
+                            <p:childTnLst>
+                              <p:par>
+                                <p:cTn id="29" presetID="45" presetClass="entr" presetSubtype="0" fill="hold" grpId="0" nodeType="afterEffect">
+                                  <p:stCondLst>
+                                    <p:cond delay="0"/>
+                                  </p:stCondLst>
+                                  <p:childTnLst>
+                                    <p:set>
+                                      <p:cBhvr>
+                                        <p:cTn id="30" dur="1" fill="hold">
+                                          <p:stCondLst>
+                                            <p:cond delay="0"/>
+                                          </p:stCondLst>
+                                        </p:cTn>
+                                        <p:tgtEl>
+                                          <p:spTgt spid="10"/>
+                                        </p:tgtEl>
+                                        <p:attrNameLst>
+                                          <p:attrName>style.visibility</p:attrName>
+                                        </p:attrNameLst>
+                                      </p:cBhvr>
+                                      <p:to>
+                                        <p:strVal val="visible"/>
+                                      </p:to>
+                                    </p:set>
+                                    <p:animEffect transition="in" filter="fade">
+                                      <p:cBhvr>
+                                        <p:cTn id="31" dur="2000"/>
+                                        <p:tgtEl>
+                                          <p:spTgt spid="10"/>
+                                        </p:tgtEl>
+                                      </p:cBhvr>
+                                    </p:animEffect>
+                                    <p:anim calcmode="lin" valueType="num">
+                                      <p:cBhvr>
+                                        <p:cTn id="32" dur="2000" fill="hold"/>
+                                        <p:tgtEl>
+                                          <p:spTgt spid="10"/>
+                                        </p:tgtEl>
+                                        <p:attrNameLst>
+                                          <p:attrName>ppt_w</p:attrName>
+                                        </p:attrNameLst>
+                                      </p:cBhvr>
+                                      <p:tavLst>
+                                        <p:tav tm="0" fmla="#ppt_w*sin(2.5*pi*$)">
+                                          <p:val>
+                                            <p:fltVal val="0"/>
+                                          </p:val>
+                                        </p:tav>
+                                        <p:tav tm="100000">
+                                          <p:val>
+                                            <p:fltVal val="1"/>
+                                          </p:val>
+                                        </p:tav>
+                                      </p:tavLst>
+                                    </p:anim>
+                                    <p:anim calcmode="lin" valueType="num">
+                                      <p:cBhvr>
+                                        <p:cTn id="33" dur="2000" fill="hold"/>
+                                        <p:tgtEl>
+                                          <p:spTgt spid="10"/>
+                                        </p:tgtEl>
+                                        <p:attrNameLst>
+                                          <p:attrName>ppt_h</p:attrName>
+                                        </p:attrNameLst>
+                                      </p:cBhvr>
+                                      <p:tavLst>
+                                        <p:tav tm="0">
+                                          <p:val>
+                                            <p:strVal val="#ppt_h"/>
+                                          </p:val>
+                                        </p:tav>
+                                        <p:tav tm="100000">
+                                          <p:val>
+                                            <p:strVal val="#ppt_h"/>
+                                          </p:val>
+                                        </p:tav>
+                                      </p:tavLst>
+                                    </p:anim>
+                                  </p:childTnLst>
+                                </p:cTn>
+                              </p:par>
+                            </p:childTnLst>
+                          </p:cTn>
+                        </p:par>
+                      </p:childTnLst>
+                    </p:cTn>
+                  </p:par>
+                </p:childTnLst>
+              </p:cTn>
+              <p:prevCondLst>
+                <p:cond evt="onPrev" delay="0">
+                  <p:tgtEl>
+                    <p:sldTgt/>
+                  </p:tgtEl>
+                </p:cond>
+              </p:prevCondLst>
+              <p:nextCondLst>
+                <p:cond evt="onNext" delay="0">
+                  <p:tgtEl>
+                    <p:sldTgt/>
+                  </p:tgtEl>
+                </p:cond>
+              </p:nextCondLst>
+            </p:seq>
+          </p:childTnLst>
+        </p:cTn>
+      </p:par>
+    </p:tnLst>
+    <p:bldLst>
+      <p:bldP spid="7" grpId="0" animBg="1"/>
+      <p:bldP spid="9" grpId="0" animBg="1"/>
+      <p:bldP spid="10" grpId="0" animBg="1"/>
+    </p:bldLst>
+  </p:timing>
+</p:sld>
+</file>
+
+<file path=ppt/slides/slide16.xml><?xml version="1.0" encoding="utf-8"?>
+<p:sld xmlns:a="http://schemas.openxmlformats.org/drawingml/2006/main" xmlns:r="http://schemas.openxmlformats.org/officeDocument/2006/relationships" xmlns:p="http://schemas.openxmlformats.org/presentationml/2006/main">
+  <p:cSld>
+    <p:spTree>
+      <p:nvGrpSpPr>
+        <p:cNvPr id="1" name=""/>
+        <p:cNvGrpSpPr/>
+        <p:nvPr/>
+      </p:nvGrpSpPr>
+      <p:grpSpPr>
+        <a:xfrm>
+          <a:off x="0" y="0"/>
+          <a:ext cx="0" cy="0"/>
+          <a:chOff x="0" y="0"/>
+          <a:chExt cx="0" cy="0"/>
+        </a:xfrm>
+      </p:grpSpPr>
+      <p:sp>
+        <p:nvSpPr>
+          <p:cNvPr id="2" name="Title 1"/>
+          <p:cNvSpPr>
+            <a:spLocks noGrp="1"/>
+          </p:cNvSpPr>
+          <p:nvPr>
+            <p:ph type="title"/>
+          </p:nvPr>
+        </p:nvSpPr>
+        <p:spPr/>
+        <p:txBody>
+          <a:bodyPr/>
+          <a:lstStyle/>
+          <a:p>
+            <a:r>
+              <a:rPr lang="en-US" dirty="0" smtClean="0"/>
+              <a:t>Program it!</a:t>
+            </a:r>
+            <a:endParaRPr lang="en-US" dirty="0"/>
+          </a:p>
+        </p:txBody>
+      </p:sp>
+      <p:sp>
+        <p:nvSpPr>
+          <p:cNvPr id="3" name="Content Placeholder 2"/>
+          <p:cNvSpPr>
+            <a:spLocks noGrp="1"/>
+          </p:cNvSpPr>
+          <p:nvPr>
+            <p:ph idx="1"/>
+          </p:nvPr>
+        </p:nvSpPr>
+        <p:spPr/>
+        <p:txBody>
+          <a:bodyPr/>
+          <a:lstStyle/>
+          <a:p>
+            <a:r>
+              <a:rPr lang="en-US" dirty="0" smtClean="0"/>
+              <a:t>Get </a:t>
+            </a:r>
+            <a:r>
+              <a:rPr lang="en-US" dirty="0" err="1" smtClean="0"/>
+              <a:t>Arduino</a:t>
+            </a:r>
+            <a:r>
+              <a:rPr lang="en-US" dirty="0"/>
+              <a:t>: </a:t>
+            </a:r>
+            <a:r>
+              <a:rPr lang="en-US" dirty="0">
                 <a:hlinkClick r:id="rId2"/>
               </a:rPr>
-              <a:t>http://</a:t>
-            </a:r>
-            <a:r>
-              <a:rPr lang="en-US">
-                <a:hlinkClick r:id="rId2"/>
-              </a:rPr>
-              <a:t>opencv.willowgarage.com/wiki</a:t>
-            </a:r>
-            <a:r>
-              <a:rPr lang="en-US" smtClean="0">
+              <a:t>http://arduino.cc</a:t>
+            </a:r>
+            <a:r>
+              <a:rPr lang="en-US" dirty="0" smtClean="0">
                 <a:hlinkClick r:id="rId2"/>
               </a:rPr>
               <a:t>/</a:t>
             </a:r>
-            <a:endParaRPr lang="en-US" smtClean="0"/>
-          </a:p>
-          <a:p>
-            <a:endParaRPr lang="en-US"/>
-          </a:p>
-        </p:txBody>
-      </p:sp>
+            <a:r>
+              <a:rPr lang="en-US" dirty="0" smtClean="0"/>
+              <a:t> (downloads)</a:t>
+            </a:r>
+            <a:endParaRPr lang="en-US" dirty="0" smtClean="0"/>
+          </a:p>
+          <a:p>
+            <a:r>
+              <a:rPr lang="en-US" dirty="0" smtClean="0"/>
+              <a:t>Load “</a:t>
+            </a:r>
+            <a:r>
+              <a:rPr lang="en-US" dirty="0" err="1" smtClean="0"/>
+              <a:t>Firmatta</a:t>
+            </a:r>
+            <a:r>
+              <a:rPr lang="en-US" dirty="0" smtClean="0"/>
+              <a:t>”</a:t>
+            </a:r>
+            <a:endParaRPr lang="en-US" dirty="0" smtClean="0"/>
+          </a:p>
+          <a:p>
+            <a:r>
+              <a:rPr lang="en-US" dirty="0" smtClean="0"/>
+              <a:t>Get </a:t>
+            </a:r>
+            <a:r>
+              <a:rPr lang="en-US" dirty="0"/>
+              <a:t>processing: </a:t>
+            </a:r>
+            <a:r>
+              <a:rPr lang="en-US" dirty="0">
+                <a:hlinkClick r:id="rId3"/>
+              </a:rPr>
+              <a:t>http://processing.org</a:t>
+            </a:r>
+            <a:r>
+              <a:rPr lang="en-US" dirty="0" smtClean="0">
+                <a:hlinkClick r:id="rId3"/>
+              </a:rPr>
+              <a:t>/</a:t>
+            </a:r>
+            <a:r>
+              <a:rPr lang="en-US" dirty="0" smtClean="0"/>
+              <a:t> </a:t>
+            </a:r>
+            <a:endParaRPr lang="en-US" dirty="0"/>
+          </a:p>
+          <a:p>
+            <a:r>
+              <a:rPr lang="en-US" dirty="0" smtClean="0"/>
+              <a:t>Get </a:t>
+            </a:r>
+            <a:r>
+              <a:rPr lang="en-US" dirty="0"/>
+              <a:t>my code: </a:t>
+            </a:r>
+            <a:r>
+              <a:rPr lang="en-US" dirty="0">
+                <a:hlinkClick r:id="rId4"/>
+              </a:rPr>
+              <a:t>https://</a:t>
+            </a:r>
+            <a:r>
+              <a:rPr lang="en-US" dirty="0" smtClean="0">
+                <a:hlinkClick r:id="rId4"/>
+              </a:rPr>
+              <a:t>github.com/antfriend/Tele</a:t>
+            </a:r>
+            <a:endParaRPr lang="en-US" dirty="0" smtClean="0"/>
+          </a:p>
+          <a:p>
+            <a:endParaRPr lang="en-US" dirty="0"/>
+          </a:p>
+        </p:txBody>
+      </p:sp>
+    </p:spTree>
+    <p:extLst>
+      <p:ext uri="{BB962C8B-B14F-4D97-AF65-F5344CB8AC3E}">
+        <p14:creationId xmlns:p14="http://schemas.microsoft.com/office/powerpoint/2010/main" val="558983104"/>
+      </p:ext>
+    </p:extLst>
+  </p:cSld>
+  <p:clrMapOvr>
+    <a:masterClrMapping/>
+  </p:clrMapOvr>
+  <mc:AlternateContent xmlns:mc="http://schemas.openxmlformats.org/markup-compatibility/2006">
+    <mc:Choice xmlns:p14="http://schemas.microsoft.com/office/powerpoint/2010/main" Requires="p14">
+      <p:transition spd="slow" p14:dur="800">
+        <p14:flythrough/>
+      </p:transition>
+    </mc:Choice>
+    <mc:Fallback>
+      <p:transition spd="slow">
+        <p:fade/>
+      </p:transition>
+    </mc:Fallback>
+  </mc:AlternateContent>
+  <p:timing>
+    <p:tnLst>
+      <p:par>
+        <p:cTn id="1" dur="indefinite" restart="never" nodeType="tmRoot"/>
+      </p:par>
+    </p:tnLst>
+  </p:timing>
+</p:sld>
+</file>
+
+<file path=ppt/slides/slide17.xml><?xml version="1.0" encoding="utf-8"?>
+<p:sld xmlns:a="http://schemas.openxmlformats.org/drawingml/2006/main" xmlns:r="http://schemas.openxmlformats.org/officeDocument/2006/relationships" xmlns:p="http://schemas.openxmlformats.org/presentationml/2006/main">
+  <p:cSld>
+    <p:spTree>
+      <p:nvGrpSpPr>
+        <p:cNvPr id="1" name=""/>
+        <p:cNvGrpSpPr/>
+        <p:nvPr/>
+      </p:nvGrpSpPr>
+      <p:grpSpPr>
+        <a:xfrm>
+          <a:off x="0" y="0"/>
+          <a:ext cx="0" cy="0"/>
+          <a:chOff x="0" y="0"/>
+          <a:chExt cx="0" cy="0"/>
+        </a:xfrm>
+      </p:grpSpPr>
+      <p:sp>
+        <p:nvSpPr>
+          <p:cNvPr id="2" name="Title 1"/>
+          <p:cNvSpPr>
+            <a:spLocks noGrp="1"/>
+          </p:cNvSpPr>
+          <p:nvPr>
+            <p:ph type="title"/>
+          </p:nvPr>
+        </p:nvSpPr>
+        <p:spPr/>
+        <p:txBody>
+          <a:bodyPr/>
+          <a:lstStyle/>
+          <a:p>
+            <a:r>
+              <a:rPr lang="en-US" dirty="0" smtClean="0"/>
+              <a:t>Play</a:t>
+            </a:r>
+            <a:r>
+              <a:rPr lang="en-US" dirty="0" smtClean="0"/>
+              <a:t>! Work!</a:t>
+            </a:r>
+            <a:endParaRPr lang="en-US" dirty="0"/>
+          </a:p>
+        </p:txBody>
+      </p:sp>
+      <p:sp>
+        <p:nvSpPr>
+          <p:cNvPr id="3" name="Content Placeholder 2"/>
+          <p:cNvSpPr>
+            <a:spLocks noGrp="1"/>
+          </p:cNvSpPr>
+          <p:nvPr>
+            <p:ph idx="1"/>
+          </p:nvPr>
+        </p:nvSpPr>
+        <p:spPr/>
+        <p:style>
+          <a:lnRef idx="1">
+            <a:schemeClr val="accent3"/>
+          </a:lnRef>
+          <a:fillRef idx="2">
+            <a:schemeClr val="accent3"/>
+          </a:fillRef>
+          <a:effectRef idx="1">
+            <a:schemeClr val="accent3"/>
+          </a:effectRef>
+          <a:fontRef idx="minor">
+            <a:schemeClr val="dk1"/>
+          </a:fontRef>
+        </p:style>
+        <p:txBody>
+          <a:bodyPr>
+            <a:normAutofit fontScale="92500" lnSpcReduction="10000"/>
+          </a:bodyPr>
+          <a:lstStyle/>
+          <a:p>
+            <a:r>
+              <a:rPr lang="en-US" dirty="0" smtClean="0"/>
+              <a:t>Run the server (robot) app</a:t>
+            </a:r>
+          </a:p>
+          <a:p>
+            <a:r>
+              <a:rPr lang="en-US" dirty="0" smtClean="0"/>
+              <a:t>Run the client app</a:t>
+            </a:r>
+          </a:p>
+          <a:p>
+            <a:r>
+              <a:rPr lang="en-US" dirty="0" smtClean="0"/>
+              <a:t>Run Skype or </a:t>
+            </a:r>
+            <a:r>
+              <a:rPr lang="en-US" dirty="0" err="1" smtClean="0"/>
+              <a:t>Lync</a:t>
+            </a:r>
+            <a:endParaRPr lang="en-US" dirty="0" smtClean="0"/>
+          </a:p>
+          <a:p>
+            <a:endParaRPr lang="en-US" dirty="0"/>
+          </a:p>
+          <a:p>
+            <a:r>
+              <a:rPr lang="en-US" sz="4300" b="1" dirty="0" smtClean="0">
+                <a:solidFill>
+                  <a:schemeClr val="accent6">
+                    <a:lumMod val="75000"/>
+                  </a:schemeClr>
+                </a:solidFill>
+                <a:effectLst>
+                  <a:outerShdw blurRad="38100" dist="38100" dir="2700000" algn="tl">
+                    <a:srgbClr val="000000">
+                      <a:alpha val="43137"/>
+                    </a:srgbClr>
+                  </a:outerShdw>
+                </a:effectLst>
+              </a:rPr>
+              <a:t>Away you go!</a:t>
+            </a:r>
+          </a:p>
+          <a:p>
+            <a:endParaRPr lang="en-US" dirty="0" smtClean="0"/>
+          </a:p>
+          <a:p>
+            <a:r>
+              <a:rPr lang="en-US" dirty="0" smtClean="0"/>
+              <a:t>For connecting from one home to another, you can use a free </a:t>
+            </a:r>
+            <a:r>
+              <a:rPr lang="en-US" dirty="0" err="1" smtClean="0"/>
+              <a:t>vpn</a:t>
+            </a:r>
+            <a:r>
+              <a:rPr lang="en-US" dirty="0"/>
+              <a:t> like: </a:t>
+            </a:r>
+            <a:r>
+              <a:rPr lang="en-US" dirty="0">
+                <a:hlinkClick r:id="rId2"/>
+              </a:rPr>
+              <a:t>https://secure.logmein.com/products/hamachi</a:t>
+            </a:r>
+            <a:r>
+              <a:rPr lang="en-US" dirty="0" smtClean="0">
+                <a:hlinkClick r:id="rId2"/>
+              </a:rPr>
+              <a:t>/</a:t>
+            </a:r>
+            <a:endParaRPr lang="en-US" dirty="0" smtClean="0"/>
+          </a:p>
+          <a:p>
+            <a:endParaRPr lang="en-US" dirty="0" smtClean="0"/>
+          </a:p>
+          <a:p>
+            <a:endParaRPr lang="en-US" dirty="0"/>
+          </a:p>
+          <a:p>
+            <a:endParaRPr lang="en-US" dirty="0"/>
+          </a:p>
+        </p:txBody>
+      </p:sp>
+    </p:spTree>
+    <p:extLst>
+      <p:ext uri="{BB962C8B-B14F-4D97-AF65-F5344CB8AC3E}">
+        <p14:creationId xmlns:p14="http://schemas.microsoft.com/office/powerpoint/2010/main" val="3781336626"/>
+      </p:ext>
+    </p:extLst>
+  </p:cSld>
+  <p:clrMapOvr>
+    <a:masterClrMapping/>
+  </p:clrMapOvr>
+  <mc:AlternateContent xmlns:mc="http://schemas.openxmlformats.org/markup-compatibility/2006">
+    <mc:Choice xmlns:p14="http://schemas.microsoft.com/office/powerpoint/2010/main" Requires="p14">
+      <p:transition spd="slow" p14:dur="800">
+        <p14:flythrough/>
+      </p:transition>
+    </mc:Choice>
+    <mc:Fallback>
+      <p:transition spd="slow">
+        <p:fade/>
+      </p:transition>
+    </mc:Fallback>
+  </mc:AlternateContent>
+  <p:timing>
+    <p:tnLst>
+      <p:par>
+        <p:cTn id="1" dur="indefinite" restart="never" nodeType="tmRoot"/>
+      </p:par>
+    </p:tnLst>
+  </p:timing>
+</p:sld>
+</file>
+
+<file path=ppt/slides/slide18.xml><?xml version="1.0" encoding="utf-8"?>
+<p:sld xmlns:a="http://schemas.openxmlformats.org/drawingml/2006/main" xmlns:r="http://schemas.openxmlformats.org/officeDocument/2006/relationships" xmlns:p="http://schemas.openxmlformats.org/presentationml/2006/main">
+  <p:cSld>
+    <p:spTree>
+      <p:nvGrpSpPr>
+        <p:cNvPr id="1" name=""/>
+        <p:cNvGrpSpPr/>
+        <p:nvPr/>
+      </p:nvGrpSpPr>
+      <p:grpSpPr>
+        <a:xfrm>
+          <a:off x="0" y="0"/>
+          <a:ext cx="0" cy="0"/>
+          <a:chOff x="0" y="0"/>
+          <a:chExt cx="0" cy="0"/>
+        </a:xfrm>
+      </p:grpSpPr>
+      <p:sp>
+        <p:nvSpPr>
+          <p:cNvPr id="3" name="Content Placeholder 2"/>
+          <p:cNvSpPr>
+            <a:spLocks noGrp="1"/>
+          </p:cNvSpPr>
+          <p:nvPr>
+            <p:ph idx="1"/>
+          </p:nvPr>
+        </p:nvSpPr>
+        <p:spPr>
+          <a:xfrm>
+            <a:off x="457200" y="609600"/>
+            <a:ext cx="8229600" cy="1219200"/>
+          </a:xfrm>
+        </p:spPr>
+        <p:txBody>
+          <a:bodyPr>
+            <a:normAutofit fontScale="85000" lnSpcReduction="10000"/>
+          </a:bodyPr>
+          <a:lstStyle/>
+          <a:p>
+            <a:pPr marL="0" indent="0">
+              <a:buNone/>
+            </a:pPr>
+            <a:r>
+              <a:rPr lang="en-US" dirty="0" smtClean="0"/>
+              <a:t>Use your </a:t>
+            </a:r>
+            <a:r>
+              <a:rPr lang="en-US" dirty="0" err="1" smtClean="0"/>
+              <a:t>zoomba</a:t>
+            </a:r>
+            <a:r>
+              <a:rPr lang="en-US" dirty="0" smtClean="0"/>
+              <a:t> as an autonomous </a:t>
+            </a:r>
+            <a:r>
+              <a:rPr lang="en-US" dirty="0" smtClean="0"/>
+              <a:t>robotics platform</a:t>
+            </a:r>
+          </a:p>
+          <a:p>
+            <a:pPr marL="0" indent="0">
+              <a:buNone/>
+            </a:pPr>
+            <a:r>
+              <a:rPr lang="en-US" dirty="0">
+                <a:hlinkClick r:id="rId2"/>
+              </a:rPr>
+              <a:t>http://opencv.willowgarage.com/wiki</a:t>
+            </a:r>
+            <a:r>
+              <a:rPr lang="en-US" dirty="0" smtClean="0">
+                <a:hlinkClick r:id="rId2"/>
+              </a:rPr>
+              <a:t>/</a:t>
+            </a:r>
+            <a:endParaRPr lang="en-US" dirty="0" smtClean="0"/>
+          </a:p>
+          <a:p>
+            <a:endParaRPr lang="en-US" dirty="0"/>
+          </a:p>
+        </p:txBody>
+      </p:sp>
+      <p:pic>
+        <p:nvPicPr>
+          <p:cNvPr id="6146" name="Picture 2" descr="OpenCV_Overview.jpg"/>
+          <p:cNvPicPr>
+            <a:picLocks noChangeAspect="1" noChangeArrowheads="1"/>
+          </p:cNvPicPr>
+          <p:nvPr/>
+        </p:nvPicPr>
+        <p:blipFill>
+          <a:blip r:embed="rId3">
+            <a:extLst>
+              <a:ext uri="{28A0092B-C50C-407E-A947-70E740481C1C}">
+                <a14:useLocalDpi xmlns:a14="http://schemas.microsoft.com/office/drawing/2010/main" val="0"/>
+              </a:ext>
+            </a:extLst>
+          </a:blip>
+          <a:srcRect/>
+          <a:stretch>
+            <a:fillRect/>
+          </a:stretch>
+        </p:blipFill>
+        <p:spPr bwMode="auto">
+          <a:xfrm>
+            <a:off x="1238250" y="1524000"/>
+            <a:ext cx="6762750" cy="5086350"/>
+          </a:xfrm>
+          <a:prstGeom prst="rect">
+            <a:avLst/>
+          </a:prstGeom>
+          <a:noFill/>
+          <a:extLst>
+            <a:ext uri="{909E8E84-426E-40DD-AFC4-6F175D3DCCD1}">
+              <a14:hiddenFill xmlns:a14="http://schemas.microsoft.com/office/drawing/2010/main">
+                <a:solidFill>
+                  <a:srgbClr val="FFFFFF"/>
+                </a:solidFill>
+              </a14:hiddenFill>
+            </a:ext>
+          </a:extLst>
+        </p:spPr>
+      </p:pic>
     </p:spTree>
     <p:extLst>
       <p:ext uri="{BB962C8B-B14F-4D97-AF65-F5344CB8AC3E}">
@@ -4335,6 +7217,119 @@
   <p:clrMapOvr>
     <a:masterClrMapping/>
   </p:clrMapOvr>
+  <mc:AlternateContent xmlns:mc="http://schemas.openxmlformats.org/markup-compatibility/2006">
+    <mc:Choice xmlns:p14="http://schemas.microsoft.com/office/powerpoint/2010/main" Requires="p14">
+      <p:transition spd="slow" p14:dur="800">
+        <p14:flythrough/>
+      </p:transition>
+    </mc:Choice>
+    <mc:Fallback>
+      <p:transition spd="slow">
+        <p:fade/>
+      </p:transition>
+    </mc:Fallback>
+  </mc:AlternateContent>
+  <p:timing>
+    <p:tnLst>
+      <p:par>
+        <p:cTn id="1" dur="indefinite" restart="never" nodeType="tmRoot"/>
+      </p:par>
+    </p:tnLst>
+  </p:timing>
+</p:sld>
+</file>
+
+<file path=ppt/slides/slide19.xml><?xml version="1.0" encoding="utf-8"?>
+<p:sld xmlns:a="http://schemas.openxmlformats.org/drawingml/2006/main" xmlns:r="http://schemas.openxmlformats.org/officeDocument/2006/relationships" xmlns:p="http://schemas.openxmlformats.org/presentationml/2006/main">
+  <p:cSld>
+    <p:spTree>
+      <p:nvGrpSpPr>
+        <p:cNvPr id="1" name=""/>
+        <p:cNvGrpSpPr/>
+        <p:nvPr/>
+      </p:nvGrpSpPr>
+      <p:grpSpPr>
+        <a:xfrm>
+          <a:off x="0" y="0"/>
+          <a:ext cx="0" cy="0"/>
+          <a:chOff x="0" y="0"/>
+          <a:chExt cx="0" cy="0"/>
+        </a:xfrm>
+      </p:grpSpPr>
+      <p:sp>
+        <p:nvSpPr>
+          <p:cNvPr id="2" name="Title 1"/>
+          <p:cNvSpPr>
+            <a:spLocks noGrp="1"/>
+          </p:cNvSpPr>
+          <p:nvPr>
+            <p:ph type="title"/>
+          </p:nvPr>
+        </p:nvSpPr>
+        <p:spPr/>
+        <p:txBody>
+          <a:bodyPr/>
+          <a:lstStyle/>
+          <a:p>
+            <a:endParaRPr lang="en-US"/>
+          </a:p>
+        </p:txBody>
+      </p:sp>
+      <p:sp>
+        <p:nvSpPr>
+          <p:cNvPr id="3" name="Content Placeholder 2"/>
+          <p:cNvSpPr>
+            <a:spLocks noGrp="1"/>
+          </p:cNvSpPr>
+          <p:nvPr>
+            <p:ph idx="1"/>
+          </p:nvPr>
+        </p:nvSpPr>
+        <p:spPr/>
+        <p:txBody>
+          <a:bodyPr/>
+          <a:lstStyle/>
+          <a:p>
+            <a:pPr marL="0" indent="0" algn="ctr">
+              <a:buNone/>
+            </a:pPr>
+            <a:r>
+              <a:rPr lang="en-US" dirty="0" smtClean="0"/>
+              <a:t>Thank you!</a:t>
+            </a:r>
+            <a:endParaRPr lang="en-US" dirty="0"/>
+          </a:p>
+        </p:txBody>
+      </p:sp>
+    </p:spTree>
+    <p:extLst>
+      <p:ext uri="{BB962C8B-B14F-4D97-AF65-F5344CB8AC3E}">
+        <p14:creationId xmlns:p14="http://schemas.microsoft.com/office/powerpoint/2010/main" val="2290394567"/>
+      </p:ext>
+    </p:extLst>
+  </p:cSld>
+  <p:clrMapOvr>
+    <a:masterClrMapping/>
+  </p:clrMapOvr>
+  <mc:AlternateContent xmlns:mc="http://schemas.openxmlformats.org/markup-compatibility/2006">
+    <mc:Choice xmlns:p14="http://schemas.microsoft.com/office/powerpoint/2010/main" Requires="p14">
+      <p:transition spd="slow" p14:dur="800">
+        <p14:flythrough/>
+      </p:transition>
+    </mc:Choice>
+    <mc:Fallback>
+      <p:transition spd="slow">
+        <p:fade/>
+      </p:transition>
+    </mc:Fallback>
+  </mc:AlternateContent>
+  <p:timing>
+    <p:tnLst>
+      <p:par>
+        <p:cTn id="1" dur="indefinite" restart="never" nodeType="tmRoot"/>
+      </p:par>
+    </p:tnLst>
+  </p:timing>
 </p:sld>
 </file>
 
@@ -4895,8 +7890,13 @@
           <a:p>
             <a:r>
               <a:rPr lang="en-US" dirty="0"/>
-              <a:t>Your living room will never be the same again</a:t>
-            </a:r>
+              <a:t>Your living room will never be the same </a:t>
+            </a:r>
+            <a:r>
+              <a:rPr lang="en-US" dirty="0" smtClean="0"/>
+              <a:t>again!</a:t>
+            </a:r>
+            <a:endParaRPr lang="en-US" dirty="0"/>
           </a:p>
           <a:p>
             <a:endParaRPr lang="en-US" dirty="0"/>
@@ -5756,6 +8756,18 @@
   <p:clrMapOvr>
     <a:masterClrMapping/>
   </p:clrMapOvr>
+  <mc:AlternateContent xmlns:mc="http://schemas.openxmlformats.org/markup-compatibility/2006">
+    <mc:Choice xmlns:p14="http://schemas.microsoft.com/office/powerpoint/2010/main" Requires="p14">
+      <p:transition spd="slow" p14:dur="800">
+        <p14:flythrough/>
+      </p:transition>
+    </mc:Choice>
+    <mc:Fallback>
+      <p:transition spd="slow">
+        <p:fade/>
+      </p:transition>
+    </mc:Fallback>
+  </mc:AlternateContent>
   <p:timing>
     <p:tnLst>
       <p:par>
@@ -5909,6 +8921,18 @@
   <p:clrMapOvr>
     <a:masterClrMapping/>
   </p:clrMapOvr>
+  <mc:AlternateContent xmlns:mc="http://schemas.openxmlformats.org/markup-compatibility/2006">
+    <mc:Choice xmlns:p14="http://schemas.microsoft.com/office/powerpoint/2010/main" Requires="p14">
+      <p:transition spd="slow" p14:dur="800">
+        <p14:flythrough/>
+      </p:transition>
+    </mc:Choice>
+    <mc:Fallback>
+      <p:transition spd="slow">
+        <p:fade/>
+      </p:transition>
+    </mc:Fallback>
+  </mc:AlternateContent>
   <p:timing>
     <p:tnLst>
       <p:par>
@@ -5969,14 +8993,14 @@
   <p:clrMapOvr>
     <a:masterClrMapping/>
   </p:clrMapOvr>
-  <mc:AlternateContent xmlns:mc="http://schemas.openxmlformats.org/markup-compatibility/2006" xmlns:p14="http://schemas.microsoft.com/office/powerpoint/2010/main">
-    <mc:Choice Requires="p14">
-      <p:transition spd="slow" p14:dur="4000" advClick="0" advTm="6000">
+  <mc:AlternateContent xmlns:mc="http://schemas.openxmlformats.org/markup-compatibility/2006">
+    <mc:Choice xmlns:p14="http://schemas.microsoft.com/office/powerpoint/2010/main" Requires="p14">
+      <p:transition spd="slow" p14:dur="3000" advClick="0" advTm="0">
         <p14:vortex dir="r"/>
       </p:transition>
     </mc:Choice>
-    <mc:Fallback xmlns="">
-      <p:transition spd="slow" advClick="0" advTm="6000">
+    <mc:Fallback>
+      <p:transition spd="slow" advClick="0" advTm="0">
         <p:fade/>
       </p:transition>
     </mc:Fallback>
@@ -6007,7 +9031,7 @@
                               <p:par>
                                 <p:cTn id="5" presetID="6" presetClass="emph" presetSubtype="0" fill="hold" grpId="0" nodeType="afterEffect">
                                   <p:stCondLst>
-                                    <p:cond delay="3000"/>
+                                    <p:cond delay="250"/>
                                   </p:stCondLst>
                                   <p:childTnLst>
                                     <p:animScale>
@@ -6096,12 +9120,8 @@
           <a:lstStyle/>
           <a:p>
             <a:r>
-              <a:rPr lang="en-US" sz="6000" i="1" dirty="0"/>
-              <a:t>a</a:t>
-            </a:r>
-            <a:r>
               <a:rPr lang="en-US" sz="6000" i="1" dirty="0" smtClean="0"/>
-              <a:t> used</a:t>
+              <a:t>The</a:t>
             </a:r>
             <a:r>
               <a:rPr lang="en-US" sz="6000" dirty="0" smtClean="0"/>
@@ -6122,12 +9142,8 @@
               <a:rPr lang="en-US" sz="6000" dirty="0" smtClean="0"/>
             </a:br>
             <a:r>
-              <a:rPr lang="en-US" sz="6000" i="1" dirty="0"/>
-              <a:t>h</a:t>
-            </a:r>
-            <a:r>
               <a:rPr lang="en-US" sz="6000" i="1" dirty="0" smtClean="0"/>
-              <a:t>as</a:t>
+              <a:t>hack</a:t>
             </a:r>
             <a:endParaRPr lang="en-US" sz="6000" i="1" dirty="0"/>
           </a:p>
@@ -6157,30 +9173,30 @@
           <a:p>
             <a:r>
               <a:rPr lang="en-US" dirty="0" smtClean="0"/>
-              <a:t>Motors and wheels</a:t>
-            </a:r>
+              <a:t>Remove bottom screws</a:t>
+            </a:r>
+            <a:endParaRPr lang="en-US" dirty="0" smtClean="0"/>
           </a:p>
           <a:p>
             <a:r>
               <a:rPr lang="en-US" dirty="0" smtClean="0"/>
-              <a:t>A castor wheel</a:t>
-            </a:r>
-          </a:p>
-          <a:p>
-            <a:r>
-              <a:rPr lang="en-US" dirty="0"/>
-              <a:t>S</a:t>
-            </a:r>
+              <a:t>Remove vacuum </a:t>
+            </a:r>
+            <a:endParaRPr lang="en-US" dirty="0" smtClean="0"/>
+          </a:p>
+          <a:p>
             <a:r>
               <a:rPr lang="en-US" dirty="0" smtClean="0"/>
-              <a:t>ome nice sensors</a:t>
-            </a:r>
+              <a:t>Unplug motors</a:t>
+            </a:r>
+            <a:endParaRPr lang="en-US" dirty="0" smtClean="0"/>
           </a:p>
           <a:p>
             <a:r>
               <a:rPr lang="en-US" dirty="0" smtClean="0"/>
-              <a:t>Maybe a working battery</a:t>
-            </a:r>
+              <a:t>Replace screws</a:t>
+            </a:r>
+            <a:endParaRPr lang="en-US" dirty="0" smtClean="0"/>
           </a:p>
           <a:p>
             <a:endParaRPr lang="en-US" dirty="0" smtClean="0"/>
@@ -6282,6 +9298,18 @@
   <p:clrMapOvr>
     <a:masterClrMapping/>
   </p:clrMapOvr>
+  <mc:AlternateContent xmlns:mc="http://schemas.openxmlformats.org/markup-compatibility/2006">
+    <mc:Choice xmlns:p14="http://schemas.microsoft.com/office/powerpoint/2010/main" Requires="p14">
+      <p:transition spd="slow" p14:dur="800">
+        <p14:flythrough/>
+      </p:transition>
+    </mc:Choice>
+    <mc:Fallback>
+      <p:transition spd="slow">
+        <p:fade/>
+      </p:transition>
+    </mc:Fallback>
+  </mc:AlternateContent>
   <p:timing>
     <p:tnLst>
       <p:par>
